--- a/GameMaster/GameDesign/UIDesign/主界面.pptx
+++ b/GameMaster/GameDesign/UIDesign/主界面.pptx
@@ -6,6 +6,8 @@
   </p:sldMasterIdLst>
   <p:sldIdLst>
     <p:sldId id="256" r:id="rId2"/>
+    <p:sldId id="257" r:id="rId3"/>
+    <p:sldId id="258" r:id="rId4"/>
   </p:sldIdLst>
   <p:sldSz cx="12192000" cy="6858000"/>
   <p:notesSz cx="6858000" cy="9144000"/>
@@ -104,6 +106,11 @@
       </a:defRPr>
     </a:lvl9pPr>
   </p:defaultTextStyle>
+  <p:extLst>
+    <p:ext uri="{EFAFB233-063F-42B5-8137-9DF3F51BA10A}">
+      <p15:sldGuideLst xmlns:p15="http://schemas.microsoft.com/office/powerpoint/2012/main"/>
+    </p:ext>
+  </p:extLst>
 </p:presentation>
 </file>
 
@@ -254,7 +261,7 @@
           <a:p>
             <a:fld id="{B426EB8E-22B7-479E-83E3-3D0F30698EA7}" type="datetimeFigureOut">
               <a:rPr lang="zh-CN" altLang="en-US" smtClean="0"/>
-              <a:t>2019/10/12/Saturday</a:t>
+              <a:t>2019/10/13/Sunday</a:t>
             </a:fld>
             <a:endParaRPr lang="zh-CN" altLang="en-US"/>
           </a:p>
@@ -452,7 +459,7 @@
           <a:p>
             <a:fld id="{B426EB8E-22B7-479E-83E3-3D0F30698EA7}" type="datetimeFigureOut">
               <a:rPr lang="zh-CN" altLang="en-US" smtClean="0"/>
-              <a:t>2019/10/12/Saturday</a:t>
+              <a:t>2019/10/13/Sunday</a:t>
             </a:fld>
             <a:endParaRPr lang="zh-CN" altLang="en-US"/>
           </a:p>
@@ -660,7 +667,7 @@
           <a:p>
             <a:fld id="{B426EB8E-22B7-479E-83E3-3D0F30698EA7}" type="datetimeFigureOut">
               <a:rPr lang="zh-CN" altLang="en-US" smtClean="0"/>
-              <a:t>2019/10/12/Saturday</a:t>
+              <a:t>2019/10/13/Sunday</a:t>
             </a:fld>
             <a:endParaRPr lang="zh-CN" altLang="en-US"/>
           </a:p>
@@ -858,7 +865,7 @@
           <a:p>
             <a:fld id="{B426EB8E-22B7-479E-83E3-3D0F30698EA7}" type="datetimeFigureOut">
               <a:rPr lang="zh-CN" altLang="en-US" smtClean="0"/>
-              <a:t>2019/10/12/Saturday</a:t>
+              <a:t>2019/10/13/Sunday</a:t>
             </a:fld>
             <a:endParaRPr lang="zh-CN" altLang="en-US"/>
           </a:p>
@@ -1133,7 +1140,7 @@
           <a:p>
             <a:fld id="{B426EB8E-22B7-479E-83E3-3D0F30698EA7}" type="datetimeFigureOut">
               <a:rPr lang="zh-CN" altLang="en-US" smtClean="0"/>
-              <a:t>2019/10/12/Saturday</a:t>
+              <a:t>2019/10/13/Sunday</a:t>
             </a:fld>
             <a:endParaRPr lang="zh-CN" altLang="en-US"/>
           </a:p>
@@ -1398,7 +1405,7 @@
           <a:p>
             <a:fld id="{B426EB8E-22B7-479E-83E3-3D0F30698EA7}" type="datetimeFigureOut">
               <a:rPr lang="zh-CN" altLang="en-US" smtClean="0"/>
-              <a:t>2019/10/12/Saturday</a:t>
+              <a:t>2019/10/13/Sunday</a:t>
             </a:fld>
             <a:endParaRPr lang="zh-CN" altLang="en-US"/>
           </a:p>
@@ -1810,7 +1817,7 @@
           <a:p>
             <a:fld id="{B426EB8E-22B7-479E-83E3-3D0F30698EA7}" type="datetimeFigureOut">
               <a:rPr lang="zh-CN" altLang="en-US" smtClean="0"/>
-              <a:t>2019/10/12/Saturday</a:t>
+              <a:t>2019/10/13/Sunday</a:t>
             </a:fld>
             <a:endParaRPr lang="zh-CN" altLang="en-US"/>
           </a:p>
@@ -1951,7 +1958,7 @@
           <a:p>
             <a:fld id="{B426EB8E-22B7-479E-83E3-3D0F30698EA7}" type="datetimeFigureOut">
               <a:rPr lang="zh-CN" altLang="en-US" smtClean="0"/>
-              <a:t>2019/10/12/Saturday</a:t>
+              <a:t>2019/10/13/Sunday</a:t>
             </a:fld>
             <a:endParaRPr lang="zh-CN" altLang="en-US"/>
           </a:p>
@@ -2064,7 +2071,7 @@
           <a:p>
             <a:fld id="{B426EB8E-22B7-479E-83E3-3D0F30698EA7}" type="datetimeFigureOut">
               <a:rPr lang="zh-CN" altLang="en-US" smtClean="0"/>
-              <a:t>2019/10/12/Saturday</a:t>
+              <a:t>2019/10/13/Sunday</a:t>
             </a:fld>
             <a:endParaRPr lang="zh-CN" altLang="en-US"/>
           </a:p>
@@ -2375,7 +2382,7 @@
           <a:p>
             <a:fld id="{B426EB8E-22B7-479E-83E3-3D0F30698EA7}" type="datetimeFigureOut">
               <a:rPr lang="zh-CN" altLang="en-US" smtClean="0"/>
-              <a:t>2019/10/12/Saturday</a:t>
+              <a:t>2019/10/13/Sunday</a:t>
             </a:fld>
             <a:endParaRPr lang="zh-CN" altLang="en-US"/>
           </a:p>
@@ -2663,7 +2670,7 @@
           <a:p>
             <a:fld id="{B426EB8E-22B7-479E-83E3-3D0F30698EA7}" type="datetimeFigureOut">
               <a:rPr lang="zh-CN" altLang="en-US" smtClean="0"/>
-              <a:t>2019/10/12/Saturday</a:t>
+              <a:t>2019/10/13/Sunday</a:t>
             </a:fld>
             <a:endParaRPr lang="zh-CN" altLang="en-US"/>
           </a:p>
@@ -2904,7 +2911,7 @@
           <a:p>
             <a:fld id="{B426EB8E-22B7-479E-83E3-3D0F30698EA7}" type="datetimeFigureOut">
               <a:rPr lang="zh-CN" altLang="en-US" smtClean="0"/>
-              <a:t>2019/10/12/Saturday</a:t>
+              <a:t>2019/10/13/Sunday</a:t>
             </a:fld>
             <a:endParaRPr lang="zh-CN" altLang="en-US"/>
           </a:p>
@@ -3642,6 +3649,3848 @@
 </p:sld>
 </file>
 
+<file path=ppt/slides/slide2.xml><?xml version="1.0" encoding="utf-8"?>
+<p:sld xmlns:a="http://schemas.openxmlformats.org/drawingml/2006/main" xmlns:r="http://schemas.openxmlformats.org/officeDocument/2006/relationships" xmlns:p="http://schemas.openxmlformats.org/presentationml/2006/main">
+  <p:cSld>
+    <p:spTree>
+      <p:nvGrpSpPr>
+        <p:cNvPr id="1" name=""/>
+        <p:cNvGrpSpPr/>
+        <p:nvPr/>
+      </p:nvGrpSpPr>
+      <p:grpSpPr>
+        <a:xfrm>
+          <a:off x="0" y="0"/>
+          <a:ext cx="0" cy="0"/>
+          <a:chOff x="0" y="0"/>
+          <a:chExt cx="0" cy="0"/>
+        </a:xfrm>
+      </p:grpSpPr>
+      <p:pic>
+        <p:nvPicPr>
+          <p:cNvPr id="5" name="图片 4">
+            <a:extLst>
+              <a:ext uri="{FF2B5EF4-FFF2-40B4-BE49-F238E27FC236}">
+                <a16:creationId xmlns:a16="http://schemas.microsoft.com/office/drawing/2014/main" id="{FB776DD4-6BEF-4688-B8BE-AA57A7BCCF16}"/>
+              </a:ext>
+            </a:extLst>
+          </p:cNvPr>
+          <p:cNvPicPr>
+            <a:picLocks noChangeAspect="1"/>
+          </p:cNvPicPr>
+          <p:nvPr/>
+        </p:nvPicPr>
+        <p:blipFill>
+          <a:blip r:embed="rId2">
+            <a:extLst>
+              <a:ext uri="{28A0092B-C50C-407E-A947-70E740481C1C}">
+                <a14:useLocalDpi xmlns:a14="http://schemas.microsoft.com/office/drawing/2010/main" val="0"/>
+              </a:ext>
+            </a:extLst>
+          </a:blip>
+          <a:stretch>
+            <a:fillRect/>
+          </a:stretch>
+        </p:blipFill>
+        <p:spPr>
+          <a:xfrm>
+            <a:off x="0" y="180197"/>
+            <a:ext cx="12192000" cy="6497605"/>
+          </a:xfrm>
+          <a:prstGeom prst="rect">
+            <a:avLst/>
+          </a:prstGeom>
+        </p:spPr>
+      </p:pic>
+    </p:spTree>
+    <p:extLst>
+      <p:ext uri="{BB962C8B-B14F-4D97-AF65-F5344CB8AC3E}">
+        <p14:creationId xmlns:p14="http://schemas.microsoft.com/office/powerpoint/2010/main" val="2627925884"/>
+      </p:ext>
+    </p:extLst>
+  </p:cSld>
+  <p:clrMapOvr>
+    <a:masterClrMapping/>
+  </p:clrMapOvr>
+</p:sld>
+</file>
+
+<file path=ppt/slides/slide3.xml><?xml version="1.0" encoding="utf-8"?>
+<p:sld xmlns:a="http://schemas.openxmlformats.org/drawingml/2006/main" xmlns:r="http://schemas.openxmlformats.org/officeDocument/2006/relationships" xmlns:p="http://schemas.openxmlformats.org/presentationml/2006/main">
+  <p:cSld>
+    <p:bg>
+      <p:bgPr>
+        <a:blipFill dpi="0" rotWithShape="1">
+          <a:blip r:embed="rId2">
+            <a:lum/>
+          </a:blip>
+          <a:srcRect/>
+          <a:stretch>
+            <a:fillRect l="-3000" r="-3000"/>
+          </a:stretch>
+        </a:blipFill>
+        <a:effectLst/>
+      </p:bgPr>
+    </p:bg>
+    <p:spTree>
+      <p:nvGrpSpPr>
+        <p:cNvPr id="1" name=""/>
+        <p:cNvGrpSpPr/>
+        <p:nvPr/>
+      </p:nvGrpSpPr>
+      <p:grpSpPr>
+        <a:xfrm>
+          <a:off x="0" y="0"/>
+          <a:ext cx="0" cy="0"/>
+          <a:chOff x="0" y="0"/>
+          <a:chExt cx="0" cy="0"/>
+        </a:xfrm>
+      </p:grpSpPr>
+      <p:sp>
+        <p:nvSpPr>
+          <p:cNvPr id="6" name="文本框 5">
+            <a:extLst>
+              <a:ext uri="{FF2B5EF4-FFF2-40B4-BE49-F238E27FC236}">
+                <a16:creationId xmlns:a16="http://schemas.microsoft.com/office/drawing/2014/main" id="{04353882-8A00-48BB-9A1A-2B42827A62AE}"/>
+              </a:ext>
+            </a:extLst>
+          </p:cNvPr>
+          <p:cNvSpPr txBox="1"/>
+          <p:nvPr/>
+        </p:nvSpPr>
+        <p:spPr>
+          <a:xfrm>
+            <a:off x="687803" y="168851"/>
+            <a:ext cx="409086" cy="226344"/>
+          </a:xfrm>
+          <a:prstGeom prst="rect">
+            <a:avLst/>
+          </a:prstGeom>
+          <a:noFill/>
+        </p:spPr>
+        <p:txBody>
+          <a:bodyPr wrap="none" rtlCol="0">
+            <a:spAutoFit/>
+          </a:bodyPr>
+          <a:lstStyle/>
+          <a:p>
+            <a:r>
+              <a:rPr lang="zh-CN" altLang="en-US" sz="871" dirty="0">
+                <a:solidFill>
+                  <a:schemeClr val="bg1"/>
+                </a:solidFill>
+                <a:latin typeface="+mj-ea"/>
+                <a:ea typeface="+mj-ea"/>
+              </a:rPr>
+              <a:t>返回</a:t>
+            </a:r>
+          </a:p>
+        </p:txBody>
+      </p:sp>
+      <p:grpSp>
+        <p:nvGrpSpPr>
+          <p:cNvPr id="7" name="组合 6">
+            <a:extLst>
+              <a:ext uri="{FF2B5EF4-FFF2-40B4-BE49-F238E27FC236}">
+                <a16:creationId xmlns:a16="http://schemas.microsoft.com/office/drawing/2014/main" id="{3407FE59-0EA2-44A8-A5F2-FE30EE71D4C0}"/>
+              </a:ext>
+            </a:extLst>
+          </p:cNvPr>
+          <p:cNvGrpSpPr/>
+          <p:nvPr/>
+        </p:nvGrpSpPr>
+        <p:grpSpPr>
+          <a:xfrm>
+            <a:off x="428855" y="135772"/>
+            <a:ext cx="260288" cy="260288"/>
+            <a:chOff x="226468" y="118337"/>
+            <a:chExt cx="328613" cy="328613"/>
+          </a:xfrm>
+        </p:grpSpPr>
+        <p:sp>
+          <p:nvSpPr>
+            <p:cNvPr id="8" name="Freeform 124">
+              <a:extLst>
+                <a:ext uri="{FF2B5EF4-FFF2-40B4-BE49-F238E27FC236}">
+                  <a16:creationId xmlns:a16="http://schemas.microsoft.com/office/drawing/2014/main" id="{238DC7EB-BC55-46D1-B147-D679C186BF9C}"/>
+                </a:ext>
+              </a:extLst>
+            </p:cNvPr>
+            <p:cNvSpPr>
+              <a:spLocks/>
+            </p:cNvSpPr>
+            <p:nvPr/>
+          </p:nvSpPr>
+          <p:spPr bwMode="auto">
+            <a:xfrm>
+              <a:off x="293736" y="218736"/>
+              <a:ext cx="194076" cy="135596"/>
+            </a:xfrm>
+            <a:custGeom>
+              <a:avLst/>
+              <a:gdLst>
+                <a:gd name="T0" fmla="*/ 126 w 128"/>
+                <a:gd name="T1" fmla="*/ 42 h 89"/>
+                <a:gd name="T2" fmla="*/ 8 w 128"/>
+                <a:gd name="T3" fmla="*/ 42 h 89"/>
+                <a:gd name="T4" fmla="*/ 46 w 128"/>
+                <a:gd name="T5" fmla="*/ 4 h 89"/>
+                <a:gd name="T6" fmla="*/ 46 w 128"/>
+                <a:gd name="T7" fmla="*/ 1 h 89"/>
+                <a:gd name="T8" fmla="*/ 44 w 128"/>
+                <a:gd name="T9" fmla="*/ 0 h 89"/>
+                <a:gd name="T10" fmla="*/ 43 w 128"/>
+                <a:gd name="T11" fmla="*/ 1 h 89"/>
+                <a:gd name="T12" fmla="*/ 1 w 128"/>
+                <a:gd name="T13" fmla="*/ 43 h 89"/>
+                <a:gd name="T14" fmla="*/ 1 w 128"/>
+                <a:gd name="T15" fmla="*/ 46 h 89"/>
+                <a:gd name="T16" fmla="*/ 43 w 128"/>
+                <a:gd name="T17" fmla="*/ 88 h 89"/>
+                <a:gd name="T18" fmla="*/ 46 w 128"/>
+                <a:gd name="T19" fmla="*/ 88 h 89"/>
+                <a:gd name="T20" fmla="*/ 46 w 128"/>
+                <a:gd name="T21" fmla="*/ 85 h 89"/>
+                <a:gd name="T22" fmla="*/ 8 w 128"/>
+                <a:gd name="T23" fmla="*/ 47 h 89"/>
+                <a:gd name="T24" fmla="*/ 126 w 128"/>
+                <a:gd name="T25" fmla="*/ 47 h 89"/>
+                <a:gd name="T26" fmla="*/ 128 w 128"/>
+                <a:gd name="T27" fmla="*/ 44 h 89"/>
+                <a:gd name="T28" fmla="*/ 126 w 128"/>
+                <a:gd name="T29" fmla="*/ 42 h 89"/>
+              </a:gdLst>
+              <a:ahLst/>
+              <a:cxnLst>
+                <a:cxn ang="0">
+                  <a:pos x="T0" y="T1"/>
+                </a:cxn>
+                <a:cxn ang="0">
+                  <a:pos x="T2" y="T3"/>
+                </a:cxn>
+                <a:cxn ang="0">
+                  <a:pos x="T4" y="T5"/>
+                </a:cxn>
+                <a:cxn ang="0">
+                  <a:pos x="T6" y="T7"/>
+                </a:cxn>
+                <a:cxn ang="0">
+                  <a:pos x="T8" y="T9"/>
+                </a:cxn>
+                <a:cxn ang="0">
+                  <a:pos x="T10" y="T11"/>
+                </a:cxn>
+                <a:cxn ang="0">
+                  <a:pos x="T12" y="T13"/>
+                </a:cxn>
+                <a:cxn ang="0">
+                  <a:pos x="T14" y="T15"/>
+                </a:cxn>
+                <a:cxn ang="0">
+                  <a:pos x="T16" y="T17"/>
+                </a:cxn>
+                <a:cxn ang="0">
+                  <a:pos x="T18" y="T19"/>
+                </a:cxn>
+                <a:cxn ang="0">
+                  <a:pos x="T20" y="T21"/>
+                </a:cxn>
+                <a:cxn ang="0">
+                  <a:pos x="T22" y="T23"/>
+                </a:cxn>
+                <a:cxn ang="0">
+                  <a:pos x="T24" y="T25"/>
+                </a:cxn>
+                <a:cxn ang="0">
+                  <a:pos x="T26" y="T27"/>
+                </a:cxn>
+                <a:cxn ang="0">
+                  <a:pos x="T28" y="T29"/>
+                </a:cxn>
+              </a:cxnLst>
+              <a:rect l="0" t="0" r="r" b="b"/>
+              <a:pathLst>
+                <a:path w="128" h="89">
+                  <a:moveTo>
+                    <a:pt x="126" y="42"/>
+                  </a:moveTo>
+                  <a:cubicBezTo>
+                    <a:pt x="8" y="42"/>
+                    <a:pt x="8" y="42"/>
+                    <a:pt x="8" y="42"/>
+                  </a:cubicBezTo>
+                  <a:cubicBezTo>
+                    <a:pt x="46" y="4"/>
+                    <a:pt x="46" y="4"/>
+                    <a:pt x="46" y="4"/>
+                  </a:cubicBezTo>
+                  <a:cubicBezTo>
+                    <a:pt x="47" y="3"/>
+                    <a:pt x="47" y="2"/>
+                    <a:pt x="46" y="1"/>
+                  </a:cubicBezTo>
+                  <a:cubicBezTo>
+                    <a:pt x="45" y="0"/>
+                    <a:pt x="45" y="0"/>
+                    <a:pt x="44" y="0"/>
+                  </a:cubicBezTo>
+                  <a:cubicBezTo>
+                    <a:pt x="44" y="0"/>
+                    <a:pt x="43" y="0"/>
+                    <a:pt x="43" y="1"/>
+                  </a:cubicBezTo>
+                  <a:cubicBezTo>
+                    <a:pt x="1" y="43"/>
+                    <a:pt x="1" y="43"/>
+                    <a:pt x="1" y="43"/>
+                  </a:cubicBezTo>
+                  <a:cubicBezTo>
+                    <a:pt x="0" y="44"/>
+                    <a:pt x="0" y="45"/>
+                    <a:pt x="1" y="46"/>
+                  </a:cubicBezTo>
+                  <a:cubicBezTo>
+                    <a:pt x="43" y="88"/>
+                    <a:pt x="43" y="88"/>
+                    <a:pt x="43" y="88"/>
+                  </a:cubicBezTo>
+                  <a:cubicBezTo>
+                    <a:pt x="43" y="89"/>
+                    <a:pt x="45" y="89"/>
+                    <a:pt x="46" y="88"/>
+                  </a:cubicBezTo>
+                  <a:cubicBezTo>
+                    <a:pt x="47" y="87"/>
+                    <a:pt x="47" y="85"/>
+                    <a:pt x="46" y="85"/>
+                  </a:cubicBezTo>
+                  <a:cubicBezTo>
+                    <a:pt x="8" y="47"/>
+                    <a:pt x="8" y="47"/>
+                    <a:pt x="8" y="47"/>
+                  </a:cubicBezTo>
+                  <a:cubicBezTo>
+                    <a:pt x="126" y="47"/>
+                    <a:pt x="126" y="47"/>
+                    <a:pt x="126" y="47"/>
+                  </a:cubicBezTo>
+                  <a:cubicBezTo>
+                    <a:pt x="127" y="47"/>
+                    <a:pt x="128" y="45"/>
+                    <a:pt x="128" y="44"/>
+                  </a:cubicBezTo>
+                  <a:cubicBezTo>
+                    <a:pt x="128" y="43"/>
+                    <a:pt x="127" y="42"/>
+                    <a:pt x="126" y="42"/>
+                  </a:cubicBezTo>
+                  <a:close/>
+                </a:path>
+              </a:pathLst>
+            </a:custGeom>
+            <a:solidFill>
+              <a:schemeClr val="bg1">
+                <a:lumMod val="85000"/>
+              </a:schemeClr>
+            </a:solidFill>
+            <a:ln>
+              <a:noFill/>
+            </a:ln>
+          </p:spPr>
+          <p:txBody>
+            <a:bodyPr vert="horz" wrap="square" lIns="72428" tIns="36214" rIns="72428" bIns="36214" numCol="1" anchor="t" anchorCtr="0" compatLnSpc="1">
+              <a:prstTxWarp prst="textNoShape">
+                <a:avLst/>
+              </a:prstTxWarp>
+            </a:bodyPr>
+            <a:lstStyle/>
+            <a:p>
+              <a:endParaRPr lang="zh-CN" altLang="en-US" sz="1426"/>
+            </a:p>
+          </p:txBody>
+        </p:sp>
+        <p:sp>
+          <p:nvSpPr>
+            <p:cNvPr id="9" name="椭圆 8">
+              <a:extLst>
+                <a:ext uri="{FF2B5EF4-FFF2-40B4-BE49-F238E27FC236}">
+                  <a16:creationId xmlns:a16="http://schemas.microsoft.com/office/drawing/2014/main" id="{97238FE8-F862-4F63-A218-303B6E170DF9}"/>
+                </a:ext>
+              </a:extLst>
+            </p:cNvPr>
+            <p:cNvSpPr/>
+            <p:nvPr/>
+          </p:nvSpPr>
+          <p:spPr>
+            <a:xfrm>
+              <a:off x="226468" y="118337"/>
+              <a:ext cx="328613" cy="328613"/>
+            </a:xfrm>
+            <a:prstGeom prst="ellipse">
+              <a:avLst/>
+            </a:prstGeom>
+            <a:noFill/>
+            <a:ln w="6350">
+              <a:solidFill>
+                <a:schemeClr val="bg1">
+                  <a:lumMod val="85000"/>
+                </a:schemeClr>
+              </a:solidFill>
+            </a:ln>
+          </p:spPr>
+          <p:style>
+            <a:lnRef idx="2">
+              <a:schemeClr val="accent1">
+                <a:shade val="50000"/>
+              </a:schemeClr>
+            </a:lnRef>
+            <a:fillRef idx="1">
+              <a:schemeClr val="accent1"/>
+            </a:fillRef>
+            <a:effectRef idx="0">
+              <a:schemeClr val="accent1"/>
+            </a:effectRef>
+            <a:fontRef idx="minor">
+              <a:schemeClr val="lt1"/>
+            </a:fontRef>
+          </p:style>
+          <p:txBody>
+            <a:bodyPr rtlCol="0" anchor="ctr"/>
+            <a:lstStyle/>
+            <a:p>
+              <a:pPr algn="ctr"/>
+              <a:endParaRPr lang="zh-CN" altLang="en-US" sz="1426">
+                <a:noFill/>
+              </a:endParaRPr>
+            </a:p>
+          </p:txBody>
+        </p:sp>
+      </p:grpSp>
+      <p:sp>
+        <p:nvSpPr>
+          <p:cNvPr id="11" name="文本框 10">
+            <a:extLst>
+              <a:ext uri="{FF2B5EF4-FFF2-40B4-BE49-F238E27FC236}">
+                <a16:creationId xmlns:a16="http://schemas.microsoft.com/office/drawing/2014/main" id="{14C46DA1-3E45-4C18-A418-8E4EB5D1694B}"/>
+              </a:ext>
+            </a:extLst>
+          </p:cNvPr>
+          <p:cNvSpPr txBox="1"/>
+          <p:nvPr/>
+        </p:nvSpPr>
+        <p:spPr>
+          <a:xfrm>
+            <a:off x="5593298" y="168851"/>
+            <a:ext cx="1005403" cy="338554"/>
+          </a:xfrm>
+          <a:prstGeom prst="rect">
+            <a:avLst/>
+          </a:prstGeom>
+          <a:noFill/>
+        </p:spPr>
+        <p:txBody>
+          <a:bodyPr wrap="none" rtlCol="0">
+            <a:spAutoFit/>
+          </a:bodyPr>
+          <a:lstStyle/>
+          <a:p>
+            <a:r>
+              <a:rPr lang="zh-CN" altLang="en-US" sz="1600" dirty="0">
+                <a:solidFill>
+                  <a:schemeClr val="bg1">
+                    <a:lumMod val="85000"/>
+                  </a:schemeClr>
+                </a:solidFill>
+                <a:latin typeface="微软雅黑" panose="020B0503020204020204" pitchFamily="34" charset="-122"/>
+                <a:ea typeface="微软雅黑" panose="020B0503020204020204" pitchFamily="34" charset="-122"/>
+              </a:rPr>
+              <a:t>读取存档</a:t>
+            </a:r>
+          </a:p>
+        </p:txBody>
+      </p:sp>
+      <p:cxnSp>
+        <p:nvCxnSpPr>
+          <p:cNvPr id="13" name="直接连接符 12">
+            <a:extLst>
+              <a:ext uri="{FF2B5EF4-FFF2-40B4-BE49-F238E27FC236}">
+                <a16:creationId xmlns:a16="http://schemas.microsoft.com/office/drawing/2014/main" id="{EFB4C34D-2667-4D12-BF35-1294DB668D69}"/>
+              </a:ext>
+            </a:extLst>
+          </p:cNvPr>
+          <p:cNvCxnSpPr>
+            <a:cxnSpLocks/>
+          </p:cNvCxnSpPr>
+          <p:nvPr/>
+        </p:nvCxnSpPr>
+        <p:spPr>
+          <a:xfrm>
+            <a:off x="4224949" y="509681"/>
+            <a:ext cx="3742099" cy="0"/>
+          </a:xfrm>
+          <a:prstGeom prst="line">
+            <a:avLst/>
+          </a:prstGeom>
+          <a:ln w="9525">
+            <a:gradFill>
+              <a:gsLst>
+                <a:gs pos="55000">
+                  <a:srgbClr val="DFE7F5">
+                    <a:alpha val="55000"/>
+                  </a:srgbClr>
+                </a:gs>
+                <a:gs pos="0">
+                  <a:schemeClr val="accent1">
+                    <a:lumMod val="5000"/>
+                    <a:lumOff val="95000"/>
+                    <a:alpha val="0"/>
+                  </a:schemeClr>
+                </a:gs>
+                <a:gs pos="100000">
+                  <a:schemeClr val="bg1">
+                    <a:alpha val="0"/>
+                  </a:schemeClr>
+                </a:gs>
+              </a:gsLst>
+              <a:lin ang="10800000" scaled="0"/>
+            </a:gradFill>
+          </a:ln>
+        </p:spPr>
+        <p:style>
+          <a:lnRef idx="1">
+            <a:schemeClr val="accent1"/>
+          </a:lnRef>
+          <a:fillRef idx="0">
+            <a:schemeClr val="accent1"/>
+          </a:fillRef>
+          <a:effectRef idx="0">
+            <a:schemeClr val="accent1"/>
+          </a:effectRef>
+          <a:fontRef idx="minor">
+            <a:schemeClr val="tx1"/>
+          </a:fontRef>
+        </p:style>
+      </p:cxnSp>
+      <p:grpSp>
+        <p:nvGrpSpPr>
+          <p:cNvPr id="16" name="组合 15">
+            <a:extLst>
+              <a:ext uri="{FF2B5EF4-FFF2-40B4-BE49-F238E27FC236}">
+                <a16:creationId xmlns:a16="http://schemas.microsoft.com/office/drawing/2014/main" id="{ADEAF3B5-5736-41A0-8F4D-4523E8B0E0D1}"/>
+              </a:ext>
+            </a:extLst>
+          </p:cNvPr>
+          <p:cNvGrpSpPr/>
+          <p:nvPr/>
+        </p:nvGrpSpPr>
+        <p:grpSpPr>
+          <a:xfrm>
+            <a:off x="5349601" y="199450"/>
+            <a:ext cx="260288" cy="246498"/>
+            <a:chOff x="568325" y="4175125"/>
+            <a:chExt cx="479425" cy="454026"/>
+          </a:xfrm>
+          <a:solidFill>
+            <a:schemeClr val="bg1">
+              <a:lumMod val="75000"/>
+            </a:schemeClr>
+          </a:solidFill>
+        </p:grpSpPr>
+        <p:sp>
+          <p:nvSpPr>
+            <p:cNvPr id="14" name="Freeform 84">
+              <a:extLst>
+                <a:ext uri="{FF2B5EF4-FFF2-40B4-BE49-F238E27FC236}">
+                  <a16:creationId xmlns:a16="http://schemas.microsoft.com/office/drawing/2014/main" id="{F3EF8B2C-84D2-4B57-A488-B0DB309BC3A8}"/>
+                </a:ext>
+              </a:extLst>
+            </p:cNvPr>
+            <p:cNvSpPr>
+              <a:spLocks/>
+            </p:cNvSpPr>
+            <p:nvPr/>
+          </p:nvSpPr>
+          <p:spPr bwMode="auto">
+            <a:xfrm>
+              <a:off x="642938" y="4175125"/>
+              <a:ext cx="330200" cy="398463"/>
+            </a:xfrm>
+            <a:custGeom>
+              <a:avLst/>
+              <a:gdLst>
+                <a:gd name="T0" fmla="*/ 42 w 88"/>
+                <a:gd name="T1" fmla="*/ 105 h 106"/>
+                <a:gd name="T2" fmla="*/ 46 w 88"/>
+                <a:gd name="T3" fmla="*/ 105 h 106"/>
+                <a:gd name="T4" fmla="*/ 88 w 88"/>
+                <a:gd name="T5" fmla="*/ 63 h 106"/>
+                <a:gd name="T6" fmla="*/ 88 w 88"/>
+                <a:gd name="T7" fmla="*/ 62 h 106"/>
+                <a:gd name="T8" fmla="*/ 88 w 88"/>
+                <a:gd name="T9" fmla="*/ 60 h 106"/>
+                <a:gd name="T10" fmla="*/ 84 w 88"/>
+                <a:gd name="T11" fmla="*/ 60 h 106"/>
+                <a:gd name="T12" fmla="*/ 46 w 88"/>
+                <a:gd name="T13" fmla="*/ 98 h 106"/>
+                <a:gd name="T14" fmla="*/ 46 w 88"/>
+                <a:gd name="T15" fmla="*/ 3 h 106"/>
+                <a:gd name="T16" fmla="*/ 44 w 88"/>
+                <a:gd name="T17" fmla="*/ 0 h 106"/>
+                <a:gd name="T18" fmla="*/ 42 w 88"/>
+                <a:gd name="T19" fmla="*/ 3 h 106"/>
+                <a:gd name="T20" fmla="*/ 42 w 88"/>
+                <a:gd name="T21" fmla="*/ 98 h 106"/>
+                <a:gd name="T22" fmla="*/ 4 w 88"/>
+                <a:gd name="T23" fmla="*/ 60 h 106"/>
+                <a:gd name="T24" fmla="*/ 2 w 88"/>
+                <a:gd name="T25" fmla="*/ 60 h 106"/>
+                <a:gd name="T26" fmla="*/ 0 w 88"/>
+                <a:gd name="T27" fmla="*/ 60 h 106"/>
+                <a:gd name="T28" fmla="*/ 0 w 88"/>
+                <a:gd name="T29" fmla="*/ 62 h 106"/>
+                <a:gd name="T30" fmla="*/ 0 w 88"/>
+                <a:gd name="T31" fmla="*/ 63 h 106"/>
+                <a:gd name="T32" fmla="*/ 42 w 88"/>
+                <a:gd name="T33" fmla="*/ 105 h 106"/>
+              </a:gdLst>
+              <a:ahLst/>
+              <a:cxnLst>
+                <a:cxn ang="0">
+                  <a:pos x="T0" y="T1"/>
+                </a:cxn>
+                <a:cxn ang="0">
+                  <a:pos x="T2" y="T3"/>
+                </a:cxn>
+                <a:cxn ang="0">
+                  <a:pos x="T4" y="T5"/>
+                </a:cxn>
+                <a:cxn ang="0">
+                  <a:pos x="T6" y="T7"/>
+                </a:cxn>
+                <a:cxn ang="0">
+                  <a:pos x="T8" y="T9"/>
+                </a:cxn>
+                <a:cxn ang="0">
+                  <a:pos x="T10" y="T11"/>
+                </a:cxn>
+                <a:cxn ang="0">
+                  <a:pos x="T12" y="T13"/>
+                </a:cxn>
+                <a:cxn ang="0">
+                  <a:pos x="T14" y="T15"/>
+                </a:cxn>
+                <a:cxn ang="0">
+                  <a:pos x="T16" y="T17"/>
+                </a:cxn>
+                <a:cxn ang="0">
+                  <a:pos x="T18" y="T19"/>
+                </a:cxn>
+                <a:cxn ang="0">
+                  <a:pos x="T20" y="T21"/>
+                </a:cxn>
+                <a:cxn ang="0">
+                  <a:pos x="T22" y="T23"/>
+                </a:cxn>
+                <a:cxn ang="0">
+                  <a:pos x="T24" y="T25"/>
+                </a:cxn>
+                <a:cxn ang="0">
+                  <a:pos x="T26" y="T27"/>
+                </a:cxn>
+                <a:cxn ang="0">
+                  <a:pos x="T28" y="T29"/>
+                </a:cxn>
+                <a:cxn ang="0">
+                  <a:pos x="T30" y="T31"/>
+                </a:cxn>
+                <a:cxn ang="0">
+                  <a:pos x="T32" y="T33"/>
+                </a:cxn>
+              </a:cxnLst>
+              <a:rect l="0" t="0" r="r" b="b"/>
+              <a:pathLst>
+                <a:path w="88" h="106">
+                  <a:moveTo>
+                    <a:pt x="42" y="105"/>
+                  </a:moveTo>
+                  <a:cubicBezTo>
+                    <a:pt x="43" y="106"/>
+                    <a:pt x="45" y="106"/>
+                    <a:pt x="46" y="105"/>
+                  </a:cubicBezTo>
+                  <a:cubicBezTo>
+                    <a:pt x="88" y="63"/>
+                    <a:pt x="88" y="63"/>
+                    <a:pt x="88" y="63"/>
+                  </a:cubicBezTo>
+                  <a:cubicBezTo>
+                    <a:pt x="88" y="63"/>
+                    <a:pt x="88" y="62"/>
+                    <a:pt x="88" y="62"/>
+                  </a:cubicBezTo>
+                  <a:cubicBezTo>
+                    <a:pt x="88" y="61"/>
+                    <a:pt x="88" y="61"/>
+                    <a:pt x="88" y="60"/>
+                  </a:cubicBezTo>
+                  <a:cubicBezTo>
+                    <a:pt x="87" y="59"/>
+                    <a:pt x="85" y="59"/>
+                    <a:pt x="84" y="60"/>
+                  </a:cubicBezTo>
+                  <a:cubicBezTo>
+                    <a:pt x="46" y="98"/>
+                    <a:pt x="46" y="98"/>
+                    <a:pt x="46" y="98"/>
+                  </a:cubicBezTo>
+                  <a:cubicBezTo>
+                    <a:pt x="46" y="3"/>
+                    <a:pt x="46" y="3"/>
+                    <a:pt x="46" y="3"/>
+                  </a:cubicBezTo>
+                  <a:cubicBezTo>
+                    <a:pt x="46" y="1"/>
+                    <a:pt x="45" y="0"/>
+                    <a:pt x="44" y="0"/>
+                  </a:cubicBezTo>
+                  <a:cubicBezTo>
+                    <a:pt x="43" y="0"/>
+                    <a:pt x="42" y="1"/>
+                    <a:pt x="42" y="3"/>
+                  </a:cubicBezTo>
+                  <a:cubicBezTo>
+                    <a:pt x="42" y="98"/>
+                    <a:pt x="42" y="98"/>
+                    <a:pt x="42" y="98"/>
+                  </a:cubicBezTo>
+                  <a:cubicBezTo>
+                    <a:pt x="4" y="60"/>
+                    <a:pt x="4" y="60"/>
+                    <a:pt x="4" y="60"/>
+                  </a:cubicBezTo>
+                  <a:cubicBezTo>
+                    <a:pt x="3" y="60"/>
+                    <a:pt x="3" y="60"/>
+                    <a:pt x="2" y="60"/>
+                  </a:cubicBezTo>
+                  <a:cubicBezTo>
+                    <a:pt x="1" y="60"/>
+                    <a:pt x="1" y="60"/>
+                    <a:pt x="0" y="60"/>
+                  </a:cubicBezTo>
+                  <a:cubicBezTo>
+                    <a:pt x="0" y="61"/>
+                    <a:pt x="0" y="61"/>
+                    <a:pt x="0" y="62"/>
+                  </a:cubicBezTo>
+                  <a:cubicBezTo>
+                    <a:pt x="0" y="62"/>
+                    <a:pt x="0" y="63"/>
+                    <a:pt x="0" y="63"/>
+                  </a:cubicBezTo>
+                  <a:lnTo>
+                    <a:pt x="42" y="105"/>
+                  </a:lnTo>
+                  <a:close/>
+                </a:path>
+              </a:pathLst>
+            </a:custGeom>
+            <a:grpFill/>
+            <a:ln>
+              <a:noFill/>
+            </a:ln>
+            <a:extLst>
+              <a:ext uri="{91240B29-F687-4F45-9708-019B960494DF}">
+                <a14:hiddenLine xmlns:a14="http://schemas.microsoft.com/office/drawing/2010/main" w="9525">
+                  <a:solidFill>
+                    <a:srgbClr val="000000"/>
+                  </a:solidFill>
+                  <a:round/>
+                  <a:headEnd/>
+                  <a:tailEnd/>
+                </a14:hiddenLine>
+              </a:ext>
+            </a:extLst>
+          </p:spPr>
+          <p:txBody>
+            <a:bodyPr vert="horz" wrap="square" lIns="91440" tIns="45720" rIns="91440" bIns="45720" numCol="1" anchor="t" anchorCtr="0" compatLnSpc="1">
+              <a:prstTxWarp prst="textNoShape">
+                <a:avLst/>
+              </a:prstTxWarp>
+            </a:bodyPr>
+            <a:lstStyle/>
+            <a:p>
+              <a:endParaRPr lang="zh-CN" altLang="en-US"/>
+            </a:p>
+          </p:txBody>
+        </p:sp>
+        <p:sp>
+          <p:nvSpPr>
+            <p:cNvPr id="15" name="Freeform 85">
+              <a:extLst>
+                <a:ext uri="{FF2B5EF4-FFF2-40B4-BE49-F238E27FC236}">
+                  <a16:creationId xmlns:a16="http://schemas.microsoft.com/office/drawing/2014/main" id="{22154722-16C7-4E92-8171-4120B2B835FF}"/>
+                </a:ext>
+              </a:extLst>
+            </p:cNvPr>
+            <p:cNvSpPr>
+              <a:spLocks/>
+            </p:cNvSpPr>
+            <p:nvPr/>
+          </p:nvSpPr>
+          <p:spPr bwMode="auto">
+            <a:xfrm>
+              <a:off x="568325" y="4557713"/>
+              <a:ext cx="479425" cy="71438"/>
+            </a:xfrm>
+            <a:custGeom>
+              <a:avLst/>
+              <a:gdLst>
+                <a:gd name="T0" fmla="*/ 126 w 128"/>
+                <a:gd name="T1" fmla="*/ 0 h 19"/>
+                <a:gd name="T2" fmla="*/ 123 w 128"/>
+                <a:gd name="T3" fmla="*/ 2 h 19"/>
+                <a:gd name="T4" fmla="*/ 123 w 128"/>
+                <a:gd name="T5" fmla="*/ 14 h 19"/>
+                <a:gd name="T6" fmla="*/ 5 w 128"/>
+                <a:gd name="T7" fmla="*/ 14 h 19"/>
+                <a:gd name="T8" fmla="*/ 5 w 128"/>
+                <a:gd name="T9" fmla="*/ 2 h 19"/>
+                <a:gd name="T10" fmla="*/ 2 w 128"/>
+                <a:gd name="T11" fmla="*/ 0 h 19"/>
+                <a:gd name="T12" fmla="*/ 0 w 128"/>
+                <a:gd name="T13" fmla="*/ 2 h 19"/>
+                <a:gd name="T14" fmla="*/ 0 w 128"/>
+                <a:gd name="T15" fmla="*/ 17 h 19"/>
+                <a:gd name="T16" fmla="*/ 2 w 128"/>
+                <a:gd name="T17" fmla="*/ 19 h 19"/>
+                <a:gd name="T18" fmla="*/ 126 w 128"/>
+                <a:gd name="T19" fmla="*/ 19 h 19"/>
+                <a:gd name="T20" fmla="*/ 128 w 128"/>
+                <a:gd name="T21" fmla="*/ 17 h 19"/>
+                <a:gd name="T22" fmla="*/ 128 w 128"/>
+                <a:gd name="T23" fmla="*/ 2 h 19"/>
+                <a:gd name="T24" fmla="*/ 126 w 128"/>
+                <a:gd name="T25" fmla="*/ 0 h 19"/>
+              </a:gdLst>
+              <a:ahLst/>
+              <a:cxnLst>
+                <a:cxn ang="0">
+                  <a:pos x="T0" y="T1"/>
+                </a:cxn>
+                <a:cxn ang="0">
+                  <a:pos x="T2" y="T3"/>
+                </a:cxn>
+                <a:cxn ang="0">
+                  <a:pos x="T4" y="T5"/>
+                </a:cxn>
+                <a:cxn ang="0">
+                  <a:pos x="T6" y="T7"/>
+                </a:cxn>
+                <a:cxn ang="0">
+                  <a:pos x="T8" y="T9"/>
+                </a:cxn>
+                <a:cxn ang="0">
+                  <a:pos x="T10" y="T11"/>
+                </a:cxn>
+                <a:cxn ang="0">
+                  <a:pos x="T12" y="T13"/>
+                </a:cxn>
+                <a:cxn ang="0">
+                  <a:pos x="T14" y="T15"/>
+                </a:cxn>
+                <a:cxn ang="0">
+                  <a:pos x="T16" y="T17"/>
+                </a:cxn>
+                <a:cxn ang="0">
+                  <a:pos x="T18" y="T19"/>
+                </a:cxn>
+                <a:cxn ang="0">
+                  <a:pos x="T20" y="T21"/>
+                </a:cxn>
+                <a:cxn ang="0">
+                  <a:pos x="T22" y="T23"/>
+                </a:cxn>
+                <a:cxn ang="0">
+                  <a:pos x="T24" y="T25"/>
+                </a:cxn>
+              </a:cxnLst>
+              <a:rect l="0" t="0" r="r" b="b"/>
+              <a:pathLst>
+                <a:path w="128" h="19">
+                  <a:moveTo>
+                    <a:pt x="126" y="0"/>
+                  </a:moveTo>
+                  <a:cubicBezTo>
+                    <a:pt x="124" y="0"/>
+                    <a:pt x="123" y="1"/>
+                    <a:pt x="123" y="2"/>
+                  </a:cubicBezTo>
+                  <a:cubicBezTo>
+                    <a:pt x="123" y="14"/>
+                    <a:pt x="123" y="14"/>
+                    <a:pt x="123" y="14"/>
+                  </a:cubicBezTo>
+                  <a:cubicBezTo>
+                    <a:pt x="5" y="14"/>
+                    <a:pt x="5" y="14"/>
+                    <a:pt x="5" y="14"/>
+                  </a:cubicBezTo>
+                  <a:cubicBezTo>
+                    <a:pt x="5" y="2"/>
+                    <a:pt x="5" y="2"/>
+                    <a:pt x="5" y="2"/>
+                  </a:cubicBezTo>
+                  <a:cubicBezTo>
+                    <a:pt x="5" y="1"/>
+                    <a:pt x="4" y="0"/>
+                    <a:pt x="2" y="0"/>
+                  </a:cubicBezTo>
+                  <a:cubicBezTo>
+                    <a:pt x="1" y="0"/>
+                    <a:pt x="0" y="1"/>
+                    <a:pt x="0" y="2"/>
+                  </a:cubicBezTo>
+                  <a:cubicBezTo>
+                    <a:pt x="0" y="17"/>
+                    <a:pt x="0" y="17"/>
+                    <a:pt x="0" y="17"/>
+                  </a:cubicBezTo>
+                  <a:cubicBezTo>
+                    <a:pt x="0" y="18"/>
+                    <a:pt x="1" y="19"/>
+                    <a:pt x="2" y="19"/>
+                  </a:cubicBezTo>
+                  <a:cubicBezTo>
+                    <a:pt x="126" y="19"/>
+                    <a:pt x="126" y="19"/>
+                    <a:pt x="126" y="19"/>
+                  </a:cubicBezTo>
+                  <a:cubicBezTo>
+                    <a:pt x="127" y="19"/>
+                    <a:pt x="128" y="18"/>
+                    <a:pt x="128" y="17"/>
+                  </a:cubicBezTo>
+                  <a:cubicBezTo>
+                    <a:pt x="128" y="2"/>
+                    <a:pt x="128" y="2"/>
+                    <a:pt x="128" y="2"/>
+                  </a:cubicBezTo>
+                  <a:cubicBezTo>
+                    <a:pt x="128" y="1"/>
+                    <a:pt x="127" y="0"/>
+                    <a:pt x="126" y="0"/>
+                  </a:cubicBezTo>
+                  <a:close/>
+                </a:path>
+              </a:pathLst>
+            </a:custGeom>
+            <a:grpFill/>
+            <a:ln>
+              <a:noFill/>
+            </a:ln>
+            <a:extLst>
+              <a:ext uri="{91240B29-F687-4F45-9708-019B960494DF}">
+                <a14:hiddenLine xmlns:a14="http://schemas.microsoft.com/office/drawing/2010/main" w="9525">
+                  <a:solidFill>
+                    <a:srgbClr val="000000"/>
+                  </a:solidFill>
+                  <a:round/>
+                  <a:headEnd/>
+                  <a:tailEnd/>
+                </a14:hiddenLine>
+              </a:ext>
+            </a:extLst>
+          </p:spPr>
+          <p:txBody>
+            <a:bodyPr vert="horz" wrap="square" lIns="91440" tIns="45720" rIns="91440" bIns="45720" numCol="1" anchor="t" anchorCtr="0" compatLnSpc="1">
+              <a:prstTxWarp prst="textNoShape">
+                <a:avLst/>
+              </a:prstTxWarp>
+            </a:bodyPr>
+            <a:lstStyle/>
+            <a:p>
+              <a:endParaRPr lang="zh-CN" altLang="en-US"/>
+            </a:p>
+          </p:txBody>
+        </p:sp>
+      </p:grpSp>
+      <p:grpSp>
+        <p:nvGrpSpPr>
+          <p:cNvPr id="19" name="组合 18">
+            <a:extLst>
+              <a:ext uri="{FF2B5EF4-FFF2-40B4-BE49-F238E27FC236}">
+                <a16:creationId xmlns:a16="http://schemas.microsoft.com/office/drawing/2014/main" id="{334DCC14-28D4-411A-8F60-9FEB07AB5C0F}"/>
+              </a:ext>
+            </a:extLst>
+          </p:cNvPr>
+          <p:cNvGrpSpPr/>
+          <p:nvPr/>
+        </p:nvGrpSpPr>
+        <p:grpSpPr>
+          <a:xfrm>
+            <a:off x="428854" y="786079"/>
+            <a:ext cx="1952395" cy="261610"/>
+            <a:chOff x="428855" y="684398"/>
+            <a:chExt cx="1565076" cy="277627"/>
+          </a:xfrm>
+        </p:grpSpPr>
+        <p:sp>
+          <p:nvSpPr>
+            <p:cNvPr id="17" name="矩形 16">
+              <a:extLst>
+                <a:ext uri="{FF2B5EF4-FFF2-40B4-BE49-F238E27FC236}">
+                  <a16:creationId xmlns:a16="http://schemas.microsoft.com/office/drawing/2014/main" id="{A5C0BE2A-6D32-406F-8762-E1ED9B59F446}"/>
+                </a:ext>
+              </a:extLst>
+            </p:cNvPr>
+            <p:cNvSpPr/>
+            <p:nvPr/>
+          </p:nvSpPr>
+          <p:spPr>
+            <a:xfrm>
+              <a:off x="428855" y="685800"/>
+              <a:ext cx="1565076" cy="276225"/>
+            </a:xfrm>
+            <a:prstGeom prst="rect">
+              <a:avLst/>
+            </a:prstGeom>
+            <a:solidFill>
+              <a:schemeClr val="bg1">
+                <a:alpha val="10000"/>
+              </a:schemeClr>
+            </a:solidFill>
+            <a:ln>
+              <a:noFill/>
+            </a:ln>
+          </p:spPr>
+          <p:style>
+            <a:lnRef idx="2">
+              <a:schemeClr val="accent1">
+                <a:shade val="50000"/>
+              </a:schemeClr>
+            </a:lnRef>
+            <a:fillRef idx="1">
+              <a:schemeClr val="accent1"/>
+            </a:fillRef>
+            <a:effectRef idx="0">
+              <a:schemeClr val="accent1"/>
+            </a:effectRef>
+            <a:fontRef idx="minor">
+              <a:schemeClr val="lt1"/>
+            </a:fontRef>
+          </p:style>
+          <p:txBody>
+            <a:bodyPr rtlCol="0" anchor="ctr"/>
+            <a:lstStyle/>
+            <a:p>
+              <a:pPr algn="ctr"/>
+              <a:endParaRPr lang="zh-CN" altLang="en-US" dirty="0"/>
+            </a:p>
+          </p:txBody>
+        </p:sp>
+        <p:sp>
+          <p:nvSpPr>
+            <p:cNvPr id="18" name="文本框 17">
+              <a:extLst>
+                <a:ext uri="{FF2B5EF4-FFF2-40B4-BE49-F238E27FC236}">
+                  <a16:creationId xmlns:a16="http://schemas.microsoft.com/office/drawing/2014/main" id="{98229EEC-E8BD-44A5-93FD-025E6FC4C00C}"/>
+                </a:ext>
+              </a:extLst>
+            </p:cNvPr>
+            <p:cNvSpPr txBox="1"/>
+            <p:nvPr/>
+          </p:nvSpPr>
+          <p:spPr>
+            <a:xfrm>
+              <a:off x="1024297" y="684398"/>
+              <a:ext cx="374191" cy="277627"/>
+            </a:xfrm>
+            <a:prstGeom prst="rect">
+              <a:avLst/>
+            </a:prstGeom>
+            <a:noFill/>
+          </p:spPr>
+          <p:txBody>
+            <a:bodyPr wrap="none" rtlCol="0">
+              <a:spAutoFit/>
+            </a:bodyPr>
+            <a:lstStyle/>
+            <a:p>
+              <a:pPr algn="ctr"/>
+              <a:r>
+                <a:rPr lang="zh-CN" altLang="en-US" sz="1100" dirty="0">
+                  <a:solidFill>
+                    <a:schemeClr val="bg1">
+                      <a:lumMod val="75000"/>
+                    </a:schemeClr>
+                  </a:solidFill>
+                </a:rPr>
+                <a:t>名称</a:t>
+              </a:r>
+            </a:p>
+          </p:txBody>
+        </p:sp>
+      </p:grpSp>
+      <p:grpSp>
+        <p:nvGrpSpPr>
+          <p:cNvPr id="20" name="组合 19">
+            <a:extLst>
+              <a:ext uri="{FF2B5EF4-FFF2-40B4-BE49-F238E27FC236}">
+                <a16:creationId xmlns:a16="http://schemas.microsoft.com/office/drawing/2014/main" id="{70908E63-0918-403B-9830-DD2970A859FA}"/>
+              </a:ext>
+            </a:extLst>
+          </p:cNvPr>
+          <p:cNvGrpSpPr/>
+          <p:nvPr/>
+        </p:nvGrpSpPr>
+        <p:grpSpPr>
+          <a:xfrm>
+            <a:off x="2400301" y="786079"/>
+            <a:ext cx="1295400" cy="262043"/>
+            <a:chOff x="428855" y="683939"/>
+            <a:chExt cx="1565076" cy="278086"/>
+          </a:xfrm>
+        </p:grpSpPr>
+        <p:sp>
+          <p:nvSpPr>
+            <p:cNvPr id="21" name="矩形 20">
+              <a:extLst>
+                <a:ext uri="{FF2B5EF4-FFF2-40B4-BE49-F238E27FC236}">
+                  <a16:creationId xmlns:a16="http://schemas.microsoft.com/office/drawing/2014/main" id="{030ABB7C-3BF1-4351-8C2A-E4A8F63D3C27}"/>
+                </a:ext>
+              </a:extLst>
+            </p:cNvPr>
+            <p:cNvSpPr/>
+            <p:nvPr/>
+          </p:nvSpPr>
+          <p:spPr>
+            <a:xfrm>
+              <a:off x="428855" y="685800"/>
+              <a:ext cx="1565076" cy="276225"/>
+            </a:xfrm>
+            <a:prstGeom prst="rect">
+              <a:avLst/>
+            </a:prstGeom>
+            <a:solidFill>
+              <a:schemeClr val="bg1">
+                <a:alpha val="10000"/>
+              </a:schemeClr>
+            </a:solidFill>
+            <a:ln>
+              <a:noFill/>
+            </a:ln>
+          </p:spPr>
+          <p:style>
+            <a:lnRef idx="2">
+              <a:schemeClr val="accent1">
+                <a:shade val="50000"/>
+              </a:schemeClr>
+            </a:lnRef>
+            <a:fillRef idx="1">
+              <a:schemeClr val="accent1"/>
+            </a:fillRef>
+            <a:effectRef idx="0">
+              <a:schemeClr val="accent1"/>
+            </a:effectRef>
+            <a:fontRef idx="minor">
+              <a:schemeClr val="lt1"/>
+            </a:fontRef>
+          </p:style>
+          <p:txBody>
+            <a:bodyPr rtlCol="0" anchor="ctr"/>
+            <a:lstStyle/>
+            <a:p>
+              <a:pPr algn="ctr"/>
+              <a:endParaRPr lang="zh-CN" altLang="en-US" dirty="0"/>
+            </a:p>
+          </p:txBody>
+        </p:sp>
+        <p:sp>
+          <p:nvSpPr>
+            <p:cNvPr id="22" name="文本框 21">
+              <a:extLst>
+                <a:ext uri="{FF2B5EF4-FFF2-40B4-BE49-F238E27FC236}">
+                  <a16:creationId xmlns:a16="http://schemas.microsoft.com/office/drawing/2014/main" id="{334E7F6F-E42B-45B0-A1DA-560BD1D4D38D}"/>
+                </a:ext>
+              </a:extLst>
+            </p:cNvPr>
+            <p:cNvSpPr txBox="1"/>
+            <p:nvPr/>
+          </p:nvSpPr>
+          <p:spPr>
+            <a:xfrm>
+              <a:off x="893306" y="683939"/>
+              <a:ext cx="636173" cy="277627"/>
+            </a:xfrm>
+            <a:prstGeom prst="rect">
+              <a:avLst/>
+            </a:prstGeom>
+            <a:noFill/>
+          </p:spPr>
+          <p:txBody>
+            <a:bodyPr wrap="square" rtlCol="0">
+              <a:spAutoFit/>
+            </a:bodyPr>
+            <a:lstStyle/>
+            <a:p>
+              <a:pPr algn="ctr"/>
+              <a:r>
+                <a:rPr lang="zh-CN" altLang="en-US" sz="1100" dirty="0">
+                  <a:solidFill>
+                    <a:schemeClr val="bg1">
+                      <a:lumMod val="75000"/>
+                    </a:schemeClr>
+                  </a:solidFill>
+                </a:rPr>
+                <a:t>组织</a:t>
+              </a:r>
+            </a:p>
+          </p:txBody>
+        </p:sp>
+      </p:grpSp>
+      <p:grpSp>
+        <p:nvGrpSpPr>
+          <p:cNvPr id="23" name="组合 22">
+            <a:extLst>
+              <a:ext uri="{FF2B5EF4-FFF2-40B4-BE49-F238E27FC236}">
+                <a16:creationId xmlns:a16="http://schemas.microsoft.com/office/drawing/2014/main" id="{074F43B5-5056-4BEB-902B-72249EEB61B1}"/>
+              </a:ext>
+            </a:extLst>
+          </p:cNvPr>
+          <p:cNvGrpSpPr/>
+          <p:nvPr/>
+        </p:nvGrpSpPr>
+        <p:grpSpPr>
+          <a:xfrm>
+            <a:off x="3716486" y="786081"/>
+            <a:ext cx="2336651" cy="261610"/>
+            <a:chOff x="428855" y="684399"/>
+            <a:chExt cx="1565076" cy="277626"/>
+          </a:xfrm>
+        </p:grpSpPr>
+        <p:sp>
+          <p:nvSpPr>
+            <p:cNvPr id="24" name="矩形 23">
+              <a:extLst>
+                <a:ext uri="{FF2B5EF4-FFF2-40B4-BE49-F238E27FC236}">
+                  <a16:creationId xmlns:a16="http://schemas.microsoft.com/office/drawing/2014/main" id="{F959F351-DBC4-4BB8-8FC1-A283799E205F}"/>
+                </a:ext>
+              </a:extLst>
+            </p:cNvPr>
+            <p:cNvSpPr/>
+            <p:nvPr/>
+          </p:nvSpPr>
+          <p:spPr>
+            <a:xfrm>
+              <a:off x="428855" y="685800"/>
+              <a:ext cx="1565076" cy="276225"/>
+            </a:xfrm>
+            <a:prstGeom prst="rect">
+              <a:avLst/>
+            </a:prstGeom>
+            <a:solidFill>
+              <a:schemeClr val="bg1">
+                <a:alpha val="10000"/>
+              </a:schemeClr>
+            </a:solidFill>
+            <a:ln>
+              <a:noFill/>
+            </a:ln>
+          </p:spPr>
+          <p:style>
+            <a:lnRef idx="2">
+              <a:schemeClr val="accent1">
+                <a:shade val="50000"/>
+              </a:schemeClr>
+            </a:lnRef>
+            <a:fillRef idx="1">
+              <a:schemeClr val="accent1"/>
+            </a:fillRef>
+            <a:effectRef idx="0">
+              <a:schemeClr val="accent1"/>
+            </a:effectRef>
+            <a:fontRef idx="minor">
+              <a:schemeClr val="lt1"/>
+            </a:fontRef>
+          </p:style>
+          <p:txBody>
+            <a:bodyPr rtlCol="0" anchor="ctr"/>
+            <a:lstStyle/>
+            <a:p>
+              <a:pPr algn="ctr"/>
+              <a:endParaRPr lang="zh-CN" altLang="en-US" dirty="0"/>
+            </a:p>
+          </p:txBody>
+        </p:sp>
+        <p:sp>
+          <p:nvSpPr>
+            <p:cNvPr id="25" name="文本框 24">
+              <a:extLst>
+                <a:ext uri="{FF2B5EF4-FFF2-40B4-BE49-F238E27FC236}">
+                  <a16:creationId xmlns:a16="http://schemas.microsoft.com/office/drawing/2014/main" id="{59FFA443-96F7-4F66-971B-9C02B49A78C2}"/>
+                </a:ext>
+              </a:extLst>
+            </p:cNvPr>
+            <p:cNvSpPr txBox="1"/>
+            <p:nvPr/>
+          </p:nvSpPr>
+          <p:spPr>
+            <a:xfrm>
+              <a:off x="893306" y="684399"/>
+              <a:ext cx="636173" cy="277626"/>
+            </a:xfrm>
+            <a:prstGeom prst="rect">
+              <a:avLst/>
+            </a:prstGeom>
+            <a:noFill/>
+          </p:spPr>
+          <p:txBody>
+            <a:bodyPr wrap="square" rtlCol="0">
+              <a:spAutoFit/>
+            </a:bodyPr>
+            <a:lstStyle/>
+            <a:p>
+              <a:pPr algn="ctr"/>
+              <a:r>
+                <a:rPr lang="zh-CN" altLang="en-US" sz="1100" dirty="0">
+                  <a:solidFill>
+                    <a:schemeClr val="bg1">
+                      <a:lumMod val="75000"/>
+                    </a:schemeClr>
+                  </a:solidFill>
+                </a:rPr>
+                <a:t>日期</a:t>
+              </a:r>
+            </a:p>
+          </p:txBody>
+        </p:sp>
+      </p:grpSp>
+      <p:grpSp>
+        <p:nvGrpSpPr>
+          <p:cNvPr id="26" name="组合 25">
+            <a:extLst>
+              <a:ext uri="{FF2B5EF4-FFF2-40B4-BE49-F238E27FC236}">
+                <a16:creationId xmlns:a16="http://schemas.microsoft.com/office/drawing/2014/main" id="{D6ACEA4B-3F6E-41D1-AC22-AE08058F1546}"/>
+              </a:ext>
+            </a:extLst>
+          </p:cNvPr>
+          <p:cNvGrpSpPr/>
+          <p:nvPr/>
+        </p:nvGrpSpPr>
+        <p:grpSpPr>
+          <a:xfrm>
+            <a:off x="6073920" y="780627"/>
+            <a:ext cx="1361353" cy="267062"/>
+            <a:chOff x="428855" y="678613"/>
+            <a:chExt cx="1565076" cy="283412"/>
+          </a:xfrm>
+        </p:grpSpPr>
+        <p:sp>
+          <p:nvSpPr>
+            <p:cNvPr id="27" name="矩形 26">
+              <a:extLst>
+                <a:ext uri="{FF2B5EF4-FFF2-40B4-BE49-F238E27FC236}">
+                  <a16:creationId xmlns:a16="http://schemas.microsoft.com/office/drawing/2014/main" id="{B142B3E2-16D2-4006-9137-9968C5D45E9F}"/>
+                </a:ext>
+              </a:extLst>
+            </p:cNvPr>
+            <p:cNvSpPr/>
+            <p:nvPr/>
+          </p:nvSpPr>
+          <p:spPr>
+            <a:xfrm>
+              <a:off x="428855" y="685800"/>
+              <a:ext cx="1565076" cy="276225"/>
+            </a:xfrm>
+            <a:prstGeom prst="rect">
+              <a:avLst/>
+            </a:prstGeom>
+            <a:solidFill>
+              <a:schemeClr val="bg1">
+                <a:alpha val="10000"/>
+              </a:schemeClr>
+            </a:solidFill>
+            <a:ln>
+              <a:noFill/>
+            </a:ln>
+          </p:spPr>
+          <p:style>
+            <a:lnRef idx="2">
+              <a:schemeClr val="accent1">
+                <a:shade val="50000"/>
+              </a:schemeClr>
+            </a:lnRef>
+            <a:fillRef idx="1">
+              <a:schemeClr val="accent1"/>
+            </a:fillRef>
+            <a:effectRef idx="0">
+              <a:schemeClr val="accent1"/>
+            </a:effectRef>
+            <a:fontRef idx="minor">
+              <a:schemeClr val="lt1"/>
+            </a:fontRef>
+          </p:style>
+          <p:txBody>
+            <a:bodyPr rtlCol="0" anchor="ctr"/>
+            <a:lstStyle/>
+            <a:p>
+              <a:pPr algn="ctr"/>
+              <a:endParaRPr lang="zh-CN" altLang="en-US" dirty="0"/>
+            </a:p>
+          </p:txBody>
+        </p:sp>
+        <p:sp>
+          <p:nvSpPr>
+            <p:cNvPr id="28" name="文本框 27">
+              <a:extLst>
+                <a:ext uri="{FF2B5EF4-FFF2-40B4-BE49-F238E27FC236}">
+                  <a16:creationId xmlns:a16="http://schemas.microsoft.com/office/drawing/2014/main" id="{3A0E209C-3384-4559-A508-3F74D0B3EF43}"/>
+                </a:ext>
+              </a:extLst>
+            </p:cNvPr>
+            <p:cNvSpPr txBox="1"/>
+            <p:nvPr/>
+          </p:nvSpPr>
+          <p:spPr>
+            <a:xfrm>
+              <a:off x="665423" y="678613"/>
+              <a:ext cx="1091939" cy="277626"/>
+            </a:xfrm>
+            <a:prstGeom prst="rect">
+              <a:avLst/>
+            </a:prstGeom>
+            <a:noFill/>
+          </p:spPr>
+          <p:txBody>
+            <a:bodyPr wrap="square" rtlCol="0">
+              <a:spAutoFit/>
+            </a:bodyPr>
+            <a:lstStyle/>
+            <a:p>
+              <a:pPr algn="ctr"/>
+              <a:r>
+                <a:rPr lang="zh-CN" altLang="en-US" sz="1100" dirty="0">
+                  <a:solidFill>
+                    <a:schemeClr val="bg1">
+                      <a:lumMod val="75000"/>
+                    </a:schemeClr>
+                  </a:solidFill>
+                </a:rPr>
+                <a:t>游戏时长</a:t>
+              </a:r>
+            </a:p>
+          </p:txBody>
+        </p:sp>
+      </p:grpSp>
+      <p:grpSp>
+        <p:nvGrpSpPr>
+          <p:cNvPr id="29" name="组合 28">
+            <a:extLst>
+              <a:ext uri="{FF2B5EF4-FFF2-40B4-BE49-F238E27FC236}">
+                <a16:creationId xmlns:a16="http://schemas.microsoft.com/office/drawing/2014/main" id="{1C12E0E5-581E-4C6A-AF7B-66ABE5BA073A}"/>
+              </a:ext>
+            </a:extLst>
+          </p:cNvPr>
+          <p:cNvGrpSpPr/>
+          <p:nvPr/>
+        </p:nvGrpSpPr>
+        <p:grpSpPr>
+          <a:xfrm>
+            <a:off x="7456054" y="774515"/>
+            <a:ext cx="4656269" cy="273834"/>
+            <a:chOff x="428855" y="671426"/>
+            <a:chExt cx="1565076" cy="290599"/>
+          </a:xfrm>
+        </p:grpSpPr>
+        <p:sp>
+          <p:nvSpPr>
+            <p:cNvPr id="30" name="矩形 29">
+              <a:extLst>
+                <a:ext uri="{FF2B5EF4-FFF2-40B4-BE49-F238E27FC236}">
+                  <a16:creationId xmlns:a16="http://schemas.microsoft.com/office/drawing/2014/main" id="{C8CD1B5C-1098-46EE-BAD6-DACECAF47DF9}"/>
+                </a:ext>
+              </a:extLst>
+            </p:cNvPr>
+            <p:cNvSpPr/>
+            <p:nvPr/>
+          </p:nvSpPr>
+          <p:spPr>
+            <a:xfrm>
+              <a:off x="428855" y="685800"/>
+              <a:ext cx="1565076" cy="276225"/>
+            </a:xfrm>
+            <a:prstGeom prst="rect">
+              <a:avLst/>
+            </a:prstGeom>
+            <a:solidFill>
+              <a:schemeClr val="bg1">
+                <a:alpha val="10000"/>
+              </a:schemeClr>
+            </a:solidFill>
+            <a:ln>
+              <a:noFill/>
+            </a:ln>
+          </p:spPr>
+          <p:style>
+            <a:lnRef idx="2">
+              <a:schemeClr val="accent1">
+                <a:shade val="50000"/>
+              </a:schemeClr>
+            </a:lnRef>
+            <a:fillRef idx="1">
+              <a:schemeClr val="accent1"/>
+            </a:fillRef>
+            <a:effectRef idx="0">
+              <a:schemeClr val="accent1"/>
+            </a:effectRef>
+            <a:fontRef idx="minor">
+              <a:schemeClr val="lt1"/>
+            </a:fontRef>
+          </p:style>
+          <p:txBody>
+            <a:bodyPr rtlCol="0" anchor="ctr"/>
+            <a:lstStyle/>
+            <a:p>
+              <a:pPr algn="ctr"/>
+              <a:endParaRPr lang="zh-CN" altLang="en-US" dirty="0"/>
+            </a:p>
+          </p:txBody>
+        </p:sp>
+        <p:sp>
+          <p:nvSpPr>
+            <p:cNvPr id="31" name="文本框 30">
+              <a:extLst>
+                <a:ext uri="{FF2B5EF4-FFF2-40B4-BE49-F238E27FC236}">
+                  <a16:creationId xmlns:a16="http://schemas.microsoft.com/office/drawing/2014/main" id="{B57E6C59-26DA-4F23-8485-1B36B1ECAB7B}"/>
+                </a:ext>
+              </a:extLst>
+            </p:cNvPr>
+            <p:cNvSpPr txBox="1"/>
+            <p:nvPr/>
+          </p:nvSpPr>
+          <p:spPr>
+            <a:xfrm>
+              <a:off x="918805" y="671426"/>
+              <a:ext cx="585177" cy="277626"/>
+            </a:xfrm>
+            <a:prstGeom prst="rect">
+              <a:avLst/>
+            </a:prstGeom>
+            <a:noFill/>
+          </p:spPr>
+          <p:txBody>
+            <a:bodyPr wrap="square" rtlCol="0">
+              <a:spAutoFit/>
+            </a:bodyPr>
+            <a:lstStyle/>
+            <a:p>
+              <a:pPr algn="ctr"/>
+              <a:r>
+                <a:rPr lang="zh-CN" altLang="en-US" sz="1100" dirty="0">
+                  <a:solidFill>
+                    <a:schemeClr val="bg1">
+                      <a:lumMod val="75000"/>
+                    </a:schemeClr>
+                  </a:solidFill>
+                </a:rPr>
+                <a:t>详情</a:t>
+              </a:r>
+            </a:p>
+          </p:txBody>
+        </p:sp>
+      </p:grpSp>
+      <p:grpSp>
+        <p:nvGrpSpPr>
+          <p:cNvPr id="46" name="组合 45">
+            <a:extLst>
+              <a:ext uri="{FF2B5EF4-FFF2-40B4-BE49-F238E27FC236}">
+                <a16:creationId xmlns:a16="http://schemas.microsoft.com/office/drawing/2014/main" id="{9F27F05A-6051-465E-8256-D5759CD59375}"/>
+              </a:ext>
+            </a:extLst>
+          </p:cNvPr>
+          <p:cNvGrpSpPr/>
+          <p:nvPr/>
+        </p:nvGrpSpPr>
+        <p:grpSpPr>
+          <a:xfrm>
+            <a:off x="428854" y="1110838"/>
+            <a:ext cx="7155983" cy="290572"/>
+            <a:chOff x="428854" y="1110838"/>
+            <a:chExt cx="7699110" cy="290572"/>
+          </a:xfrm>
+        </p:grpSpPr>
+        <p:sp>
+          <p:nvSpPr>
+            <p:cNvPr id="32" name="矩形 31">
+              <a:extLst>
+                <a:ext uri="{FF2B5EF4-FFF2-40B4-BE49-F238E27FC236}">
+                  <a16:creationId xmlns:a16="http://schemas.microsoft.com/office/drawing/2014/main" id="{5B29C695-B674-4D97-B692-4DC800251F81}"/>
+                </a:ext>
+              </a:extLst>
+            </p:cNvPr>
+            <p:cNvSpPr/>
+            <p:nvPr/>
+          </p:nvSpPr>
+          <p:spPr>
+            <a:xfrm>
+              <a:off x="428854" y="1110838"/>
+              <a:ext cx="7538194" cy="290572"/>
+            </a:xfrm>
+            <a:prstGeom prst="rect">
+              <a:avLst/>
+            </a:prstGeom>
+            <a:solidFill>
+              <a:schemeClr val="bg2">
+                <a:lumMod val="10000"/>
+                <a:alpha val="40000"/>
+              </a:schemeClr>
+            </a:solidFill>
+            <a:ln w="6350">
+              <a:solidFill>
+                <a:srgbClr val="00B0F0"/>
+              </a:solidFill>
+            </a:ln>
+          </p:spPr>
+          <p:style>
+            <a:lnRef idx="2">
+              <a:schemeClr val="dk1">
+                <a:shade val="50000"/>
+              </a:schemeClr>
+            </a:lnRef>
+            <a:fillRef idx="1">
+              <a:schemeClr val="dk1"/>
+            </a:fillRef>
+            <a:effectRef idx="0">
+              <a:schemeClr val="dk1"/>
+            </a:effectRef>
+            <a:fontRef idx="minor">
+              <a:schemeClr val="lt1"/>
+            </a:fontRef>
+          </p:style>
+          <p:txBody>
+            <a:bodyPr rtlCol="0" anchor="ctr"/>
+            <a:lstStyle/>
+            <a:p>
+              <a:pPr algn="ctr"/>
+              <a:endParaRPr lang="zh-CN" altLang="en-US"/>
+            </a:p>
+          </p:txBody>
+        </p:sp>
+        <p:sp>
+          <p:nvSpPr>
+            <p:cNvPr id="38" name="文本框 37">
+              <a:extLst>
+                <a:ext uri="{FF2B5EF4-FFF2-40B4-BE49-F238E27FC236}">
+                  <a16:creationId xmlns:a16="http://schemas.microsoft.com/office/drawing/2014/main" id="{0A20E2C9-B04C-4039-BD2D-71BEA423B5F4}"/>
+                </a:ext>
+              </a:extLst>
+            </p:cNvPr>
+            <p:cNvSpPr txBox="1"/>
+            <p:nvPr/>
+          </p:nvSpPr>
+          <p:spPr>
+            <a:xfrm>
+              <a:off x="471849" y="1148402"/>
+              <a:ext cx="1866403" cy="230832"/>
+            </a:xfrm>
+            <a:prstGeom prst="rect">
+              <a:avLst/>
+            </a:prstGeom>
+            <a:noFill/>
+          </p:spPr>
+          <p:txBody>
+            <a:bodyPr wrap="square" rtlCol="0">
+              <a:spAutoFit/>
+            </a:bodyPr>
+            <a:lstStyle/>
+            <a:p>
+              <a:pPr algn="ctr"/>
+              <a:r>
+                <a:rPr lang="zh-CN" altLang="en-US" sz="900" dirty="0">
+                  <a:solidFill>
+                    <a:schemeClr val="bg1">
+                      <a:lumMod val="85000"/>
+                    </a:schemeClr>
+                  </a:solidFill>
+                </a:rPr>
+                <a:t>这是一个牛逼的存档</a:t>
+              </a:r>
+            </a:p>
+          </p:txBody>
+        </p:sp>
+        <p:grpSp>
+          <p:nvGrpSpPr>
+            <p:cNvPr id="42" name="组合 41">
+              <a:extLst>
+                <a:ext uri="{FF2B5EF4-FFF2-40B4-BE49-F238E27FC236}">
+                  <a16:creationId xmlns:a16="http://schemas.microsoft.com/office/drawing/2014/main" id="{1913B271-AA28-4ADF-9853-43A87FB7C59C}"/>
+                </a:ext>
+              </a:extLst>
+            </p:cNvPr>
+            <p:cNvGrpSpPr/>
+            <p:nvPr/>
+          </p:nvGrpSpPr>
+          <p:grpSpPr>
+            <a:xfrm>
+              <a:off x="2726702" y="1112758"/>
+              <a:ext cx="1153751" cy="271342"/>
+              <a:chOff x="2693976" y="1112098"/>
+              <a:chExt cx="1153751" cy="271342"/>
+            </a:xfrm>
+          </p:grpSpPr>
+          <p:sp>
+            <p:nvSpPr>
+              <p:cNvPr id="39" name="文本框 38">
+                <a:extLst>
+                  <a:ext uri="{FF2B5EF4-FFF2-40B4-BE49-F238E27FC236}">
+                    <a16:creationId xmlns:a16="http://schemas.microsoft.com/office/drawing/2014/main" id="{EE7890E7-4DB4-40D0-B027-00C511647826}"/>
+                  </a:ext>
+                </a:extLst>
+              </p:cNvPr>
+              <p:cNvSpPr txBox="1"/>
+              <p:nvPr/>
+            </p:nvSpPr>
+            <p:spPr>
+              <a:xfrm>
+                <a:off x="2693976" y="1152608"/>
+                <a:ext cx="1153751" cy="230832"/>
+              </a:xfrm>
+              <a:prstGeom prst="rect">
+                <a:avLst/>
+              </a:prstGeom>
+              <a:noFill/>
+            </p:spPr>
+            <p:txBody>
+              <a:bodyPr wrap="square" rtlCol="0">
+                <a:spAutoFit/>
+              </a:bodyPr>
+              <a:lstStyle/>
+              <a:p>
+                <a:pPr algn="ctr"/>
+                <a:r>
+                  <a:rPr lang="zh-CN" altLang="en-US" sz="900" dirty="0">
+                    <a:solidFill>
+                      <a:schemeClr val="bg1">
+                        <a:lumMod val="85000"/>
+                      </a:schemeClr>
+                    </a:solidFill>
+                  </a:rPr>
+                  <a:t>罗德岛</a:t>
+                </a:r>
+              </a:p>
+            </p:txBody>
+          </p:sp>
+          <p:pic>
+            <p:nvPicPr>
+              <p:cNvPr id="41" name="图片 40">
+                <a:extLst>
+                  <a:ext uri="{FF2B5EF4-FFF2-40B4-BE49-F238E27FC236}">
+                    <a16:creationId xmlns:a16="http://schemas.microsoft.com/office/drawing/2014/main" id="{95B9FA6A-AFDD-425D-B5C8-7FFD30C801E1}"/>
+                  </a:ext>
+                </a:extLst>
+              </p:cNvPr>
+              <p:cNvPicPr>
+                <a:picLocks noChangeAspect="1"/>
+              </p:cNvPicPr>
+              <p:nvPr/>
+            </p:nvPicPr>
+            <p:blipFill>
+              <a:blip r:embed="rId3">
+                <a:extLst>
+                  <a:ext uri="{28A0092B-C50C-407E-A947-70E740481C1C}">
+                    <a14:useLocalDpi xmlns:a14="http://schemas.microsoft.com/office/drawing/2010/main" val="0"/>
+                  </a:ext>
+                </a:extLst>
+              </a:blip>
+              <a:stretch>
+                <a:fillRect/>
+              </a:stretch>
+            </p:blipFill>
+            <p:spPr>
+              <a:xfrm>
+                <a:off x="2802601" y="1112098"/>
+                <a:ext cx="272841" cy="271342"/>
+              </a:xfrm>
+              <a:prstGeom prst="rect">
+                <a:avLst/>
+              </a:prstGeom>
+            </p:spPr>
+          </p:pic>
+        </p:grpSp>
+        <p:sp>
+          <p:nvSpPr>
+            <p:cNvPr id="43" name="文本框 42">
+              <a:extLst>
+                <a:ext uri="{FF2B5EF4-FFF2-40B4-BE49-F238E27FC236}">
+                  <a16:creationId xmlns:a16="http://schemas.microsoft.com/office/drawing/2014/main" id="{A81A3C9C-6281-459E-BF92-6D041703265C}"/>
+                </a:ext>
+              </a:extLst>
+            </p:cNvPr>
+            <p:cNvSpPr txBox="1"/>
+            <p:nvPr/>
+          </p:nvSpPr>
+          <p:spPr>
+            <a:xfrm>
+              <a:off x="4291891" y="1140708"/>
+              <a:ext cx="1866403" cy="230832"/>
+            </a:xfrm>
+            <a:prstGeom prst="rect">
+              <a:avLst/>
+            </a:prstGeom>
+            <a:noFill/>
+          </p:spPr>
+          <p:txBody>
+            <a:bodyPr wrap="square" rtlCol="0">
+              <a:spAutoFit/>
+            </a:bodyPr>
+            <a:lstStyle/>
+            <a:p>
+              <a:pPr algn="ctr"/>
+              <a:r>
+                <a:rPr lang="en-US" altLang="zh-CN" sz="900" dirty="0">
+                  <a:solidFill>
+                    <a:schemeClr val="bg1">
+                      <a:lumMod val="85000"/>
+                    </a:schemeClr>
+                  </a:solidFill>
+                </a:rPr>
+                <a:t>2019/10/13   15:00</a:t>
+              </a:r>
+              <a:endParaRPr lang="zh-CN" altLang="en-US" sz="900" dirty="0">
+                <a:solidFill>
+                  <a:schemeClr val="bg1">
+                    <a:lumMod val="85000"/>
+                  </a:schemeClr>
+                </a:solidFill>
+              </a:endParaRPr>
+            </a:p>
+          </p:txBody>
+        </p:sp>
+        <p:sp>
+          <p:nvSpPr>
+            <p:cNvPr id="44" name="文本框 43">
+              <a:extLst>
+                <a:ext uri="{FF2B5EF4-FFF2-40B4-BE49-F238E27FC236}">
+                  <a16:creationId xmlns:a16="http://schemas.microsoft.com/office/drawing/2014/main" id="{86373A3D-7770-4607-9CB0-D8149CA227D3}"/>
+                </a:ext>
+              </a:extLst>
+            </p:cNvPr>
+            <p:cNvSpPr txBox="1"/>
+            <p:nvPr/>
+          </p:nvSpPr>
+          <p:spPr>
+            <a:xfrm>
+              <a:off x="6261561" y="1140708"/>
+              <a:ext cx="1866403" cy="230832"/>
+            </a:xfrm>
+            <a:prstGeom prst="rect">
+              <a:avLst/>
+            </a:prstGeom>
+            <a:noFill/>
+          </p:spPr>
+          <p:txBody>
+            <a:bodyPr wrap="square" rtlCol="0">
+              <a:spAutoFit/>
+            </a:bodyPr>
+            <a:lstStyle/>
+            <a:p>
+              <a:pPr algn="ctr"/>
+              <a:r>
+                <a:rPr lang="en-US" altLang="zh-CN" sz="900" dirty="0">
+                  <a:solidFill>
+                    <a:schemeClr val="bg1">
+                      <a:lumMod val="85000"/>
+                    </a:schemeClr>
+                  </a:solidFill>
+                </a:rPr>
+                <a:t>0.5h</a:t>
+              </a:r>
+              <a:endParaRPr lang="zh-CN" altLang="en-US" sz="900" dirty="0">
+                <a:solidFill>
+                  <a:schemeClr val="bg1">
+                    <a:lumMod val="85000"/>
+                  </a:schemeClr>
+                </a:solidFill>
+              </a:endParaRPr>
+            </a:p>
+          </p:txBody>
+        </p:sp>
+      </p:grpSp>
+      <p:sp>
+        <p:nvSpPr>
+          <p:cNvPr id="45" name="矩形 44">
+            <a:extLst>
+              <a:ext uri="{FF2B5EF4-FFF2-40B4-BE49-F238E27FC236}">
+                <a16:creationId xmlns:a16="http://schemas.microsoft.com/office/drawing/2014/main" id="{1D905B7B-5682-4CA4-85CE-C4C5AA13785E}"/>
+              </a:ext>
+            </a:extLst>
+          </p:cNvPr>
+          <p:cNvSpPr/>
+          <p:nvPr/>
+        </p:nvSpPr>
+        <p:spPr>
+          <a:xfrm>
+            <a:off x="7433786" y="1110837"/>
+            <a:ext cx="4677050" cy="5661435"/>
+          </a:xfrm>
+          <a:prstGeom prst="rect">
+            <a:avLst/>
+          </a:prstGeom>
+          <a:solidFill>
+            <a:schemeClr val="bg2">
+              <a:lumMod val="25000"/>
+              <a:alpha val="42000"/>
+            </a:schemeClr>
+          </a:solidFill>
+          <a:ln>
+            <a:noFill/>
+          </a:ln>
+        </p:spPr>
+        <p:style>
+          <a:lnRef idx="2">
+            <a:schemeClr val="accent1">
+              <a:shade val="50000"/>
+            </a:schemeClr>
+          </a:lnRef>
+          <a:fillRef idx="1">
+            <a:schemeClr val="accent1"/>
+          </a:fillRef>
+          <a:effectRef idx="0">
+            <a:schemeClr val="accent1"/>
+          </a:effectRef>
+          <a:fontRef idx="minor">
+            <a:schemeClr val="lt1"/>
+          </a:fontRef>
+        </p:style>
+        <p:txBody>
+          <a:bodyPr rtlCol="0" anchor="ctr"/>
+          <a:lstStyle/>
+          <a:p>
+            <a:pPr algn="ctr"/>
+            <a:endParaRPr lang="zh-CN" altLang="en-US"/>
+          </a:p>
+        </p:txBody>
+      </p:sp>
+      <p:grpSp>
+        <p:nvGrpSpPr>
+          <p:cNvPr id="63" name="组合 62">
+            <a:extLst>
+              <a:ext uri="{FF2B5EF4-FFF2-40B4-BE49-F238E27FC236}">
+                <a16:creationId xmlns:a16="http://schemas.microsoft.com/office/drawing/2014/main" id="{31D51FC0-F847-4CE1-AD64-4317155E453D}"/>
+              </a:ext>
+            </a:extLst>
+          </p:cNvPr>
+          <p:cNvGrpSpPr/>
+          <p:nvPr/>
+        </p:nvGrpSpPr>
+        <p:grpSpPr>
+          <a:xfrm>
+            <a:off x="427367" y="1446589"/>
+            <a:ext cx="7155983" cy="290572"/>
+            <a:chOff x="428854" y="1110838"/>
+            <a:chExt cx="7699110" cy="290572"/>
+          </a:xfrm>
+        </p:grpSpPr>
+        <p:sp>
+          <p:nvSpPr>
+            <p:cNvPr id="64" name="矩形 63">
+              <a:extLst>
+                <a:ext uri="{FF2B5EF4-FFF2-40B4-BE49-F238E27FC236}">
+                  <a16:creationId xmlns:a16="http://schemas.microsoft.com/office/drawing/2014/main" id="{721A613C-6015-4B89-9481-84FC9F418771}"/>
+                </a:ext>
+              </a:extLst>
+            </p:cNvPr>
+            <p:cNvSpPr/>
+            <p:nvPr/>
+          </p:nvSpPr>
+          <p:spPr>
+            <a:xfrm>
+              <a:off x="428854" y="1110838"/>
+              <a:ext cx="7538194" cy="290572"/>
+            </a:xfrm>
+            <a:prstGeom prst="rect">
+              <a:avLst/>
+            </a:prstGeom>
+            <a:solidFill>
+              <a:schemeClr val="bg2">
+                <a:lumMod val="10000"/>
+                <a:alpha val="40000"/>
+              </a:schemeClr>
+            </a:solidFill>
+            <a:ln w="6350">
+              <a:noFill/>
+            </a:ln>
+          </p:spPr>
+          <p:style>
+            <a:lnRef idx="2">
+              <a:schemeClr val="dk1">
+                <a:shade val="50000"/>
+              </a:schemeClr>
+            </a:lnRef>
+            <a:fillRef idx="1">
+              <a:schemeClr val="dk1"/>
+            </a:fillRef>
+            <a:effectRef idx="0">
+              <a:schemeClr val="dk1"/>
+            </a:effectRef>
+            <a:fontRef idx="minor">
+              <a:schemeClr val="lt1"/>
+            </a:fontRef>
+          </p:style>
+          <p:txBody>
+            <a:bodyPr rtlCol="0" anchor="ctr"/>
+            <a:lstStyle/>
+            <a:p>
+              <a:pPr algn="ctr"/>
+              <a:endParaRPr lang="zh-CN" altLang="en-US"/>
+            </a:p>
+          </p:txBody>
+        </p:sp>
+        <p:sp>
+          <p:nvSpPr>
+            <p:cNvPr id="65" name="文本框 64">
+              <a:extLst>
+                <a:ext uri="{FF2B5EF4-FFF2-40B4-BE49-F238E27FC236}">
+                  <a16:creationId xmlns:a16="http://schemas.microsoft.com/office/drawing/2014/main" id="{CED82A79-42C0-41F0-B292-19E3EDDA11D1}"/>
+                </a:ext>
+              </a:extLst>
+            </p:cNvPr>
+            <p:cNvSpPr txBox="1"/>
+            <p:nvPr/>
+          </p:nvSpPr>
+          <p:spPr>
+            <a:xfrm>
+              <a:off x="471849" y="1148402"/>
+              <a:ext cx="1866403" cy="230832"/>
+            </a:xfrm>
+            <a:prstGeom prst="rect">
+              <a:avLst/>
+            </a:prstGeom>
+            <a:noFill/>
+            <a:ln>
+              <a:noFill/>
+            </a:ln>
+          </p:spPr>
+          <p:txBody>
+            <a:bodyPr wrap="square" rtlCol="0">
+              <a:spAutoFit/>
+            </a:bodyPr>
+            <a:lstStyle/>
+            <a:p>
+              <a:pPr algn="ctr"/>
+              <a:r>
+                <a:rPr lang="zh-CN" altLang="en-US" sz="900" dirty="0">
+                  <a:solidFill>
+                    <a:schemeClr val="bg1">
+                      <a:lumMod val="85000"/>
+                    </a:schemeClr>
+                  </a:solidFill>
+                </a:rPr>
+                <a:t>这是一个牛逼的存档</a:t>
+              </a:r>
+            </a:p>
+          </p:txBody>
+        </p:sp>
+        <p:grpSp>
+          <p:nvGrpSpPr>
+            <p:cNvPr id="66" name="组合 65">
+              <a:extLst>
+                <a:ext uri="{FF2B5EF4-FFF2-40B4-BE49-F238E27FC236}">
+                  <a16:creationId xmlns:a16="http://schemas.microsoft.com/office/drawing/2014/main" id="{24505DE7-7F85-48AC-87D5-D02D69D51FE3}"/>
+                </a:ext>
+              </a:extLst>
+            </p:cNvPr>
+            <p:cNvGrpSpPr/>
+            <p:nvPr/>
+          </p:nvGrpSpPr>
+          <p:grpSpPr>
+            <a:xfrm>
+              <a:off x="2726702" y="1112758"/>
+              <a:ext cx="1153751" cy="271342"/>
+              <a:chOff x="2693976" y="1112098"/>
+              <a:chExt cx="1153751" cy="271342"/>
+            </a:xfrm>
+          </p:grpSpPr>
+          <p:sp>
+            <p:nvSpPr>
+              <p:cNvPr id="69" name="文本框 68">
+                <a:extLst>
+                  <a:ext uri="{FF2B5EF4-FFF2-40B4-BE49-F238E27FC236}">
+                    <a16:creationId xmlns:a16="http://schemas.microsoft.com/office/drawing/2014/main" id="{34B00FE6-D72A-406A-9C25-20B55DE1D807}"/>
+                  </a:ext>
+                </a:extLst>
+              </p:cNvPr>
+              <p:cNvSpPr txBox="1"/>
+              <p:nvPr/>
+            </p:nvSpPr>
+            <p:spPr>
+              <a:xfrm>
+                <a:off x="2693976" y="1152608"/>
+                <a:ext cx="1153751" cy="230832"/>
+              </a:xfrm>
+              <a:prstGeom prst="rect">
+                <a:avLst/>
+              </a:prstGeom>
+              <a:noFill/>
+              <a:ln>
+                <a:noFill/>
+              </a:ln>
+            </p:spPr>
+            <p:txBody>
+              <a:bodyPr wrap="square" rtlCol="0">
+                <a:spAutoFit/>
+              </a:bodyPr>
+              <a:lstStyle/>
+              <a:p>
+                <a:pPr algn="ctr"/>
+                <a:r>
+                  <a:rPr lang="zh-CN" altLang="en-US" sz="900" dirty="0">
+                    <a:solidFill>
+                      <a:schemeClr val="bg1">
+                        <a:lumMod val="85000"/>
+                      </a:schemeClr>
+                    </a:solidFill>
+                  </a:rPr>
+                  <a:t>罗德岛</a:t>
+                </a:r>
+              </a:p>
+            </p:txBody>
+          </p:sp>
+          <p:pic>
+            <p:nvPicPr>
+              <p:cNvPr id="70" name="图片 69">
+                <a:extLst>
+                  <a:ext uri="{FF2B5EF4-FFF2-40B4-BE49-F238E27FC236}">
+                    <a16:creationId xmlns:a16="http://schemas.microsoft.com/office/drawing/2014/main" id="{15AC45DA-A9A6-4AA0-88FC-6CA03BD09A79}"/>
+                  </a:ext>
+                </a:extLst>
+              </p:cNvPr>
+              <p:cNvPicPr>
+                <a:picLocks noChangeAspect="1"/>
+              </p:cNvPicPr>
+              <p:nvPr/>
+            </p:nvPicPr>
+            <p:blipFill>
+              <a:blip r:embed="rId3">
+                <a:extLst>
+                  <a:ext uri="{28A0092B-C50C-407E-A947-70E740481C1C}">
+                    <a14:useLocalDpi xmlns:a14="http://schemas.microsoft.com/office/drawing/2010/main" val="0"/>
+                  </a:ext>
+                </a:extLst>
+              </a:blip>
+              <a:stretch>
+                <a:fillRect/>
+              </a:stretch>
+            </p:blipFill>
+            <p:spPr>
+              <a:xfrm>
+                <a:off x="2802601" y="1112098"/>
+                <a:ext cx="272841" cy="271342"/>
+              </a:xfrm>
+              <a:prstGeom prst="rect">
+                <a:avLst/>
+              </a:prstGeom>
+              <a:ln>
+                <a:noFill/>
+              </a:ln>
+            </p:spPr>
+          </p:pic>
+        </p:grpSp>
+        <p:sp>
+          <p:nvSpPr>
+            <p:cNvPr id="67" name="文本框 66">
+              <a:extLst>
+                <a:ext uri="{FF2B5EF4-FFF2-40B4-BE49-F238E27FC236}">
+                  <a16:creationId xmlns:a16="http://schemas.microsoft.com/office/drawing/2014/main" id="{1656BC28-8065-43C4-985D-D1D7DDE717CB}"/>
+                </a:ext>
+              </a:extLst>
+            </p:cNvPr>
+            <p:cNvSpPr txBox="1"/>
+            <p:nvPr/>
+          </p:nvSpPr>
+          <p:spPr>
+            <a:xfrm>
+              <a:off x="4291891" y="1140708"/>
+              <a:ext cx="1866403" cy="230832"/>
+            </a:xfrm>
+            <a:prstGeom prst="rect">
+              <a:avLst/>
+            </a:prstGeom>
+            <a:noFill/>
+            <a:ln>
+              <a:noFill/>
+            </a:ln>
+          </p:spPr>
+          <p:txBody>
+            <a:bodyPr wrap="square" rtlCol="0">
+              <a:spAutoFit/>
+            </a:bodyPr>
+            <a:lstStyle/>
+            <a:p>
+              <a:pPr algn="ctr"/>
+              <a:r>
+                <a:rPr lang="en-US" altLang="zh-CN" sz="900" dirty="0">
+                  <a:solidFill>
+                    <a:schemeClr val="bg1">
+                      <a:lumMod val="85000"/>
+                    </a:schemeClr>
+                  </a:solidFill>
+                </a:rPr>
+                <a:t>2019/10/13   15:00</a:t>
+              </a:r>
+              <a:endParaRPr lang="zh-CN" altLang="en-US" sz="900" dirty="0">
+                <a:solidFill>
+                  <a:schemeClr val="bg1">
+                    <a:lumMod val="85000"/>
+                  </a:schemeClr>
+                </a:solidFill>
+              </a:endParaRPr>
+            </a:p>
+          </p:txBody>
+        </p:sp>
+        <p:sp>
+          <p:nvSpPr>
+            <p:cNvPr id="68" name="文本框 67">
+              <a:extLst>
+                <a:ext uri="{FF2B5EF4-FFF2-40B4-BE49-F238E27FC236}">
+                  <a16:creationId xmlns:a16="http://schemas.microsoft.com/office/drawing/2014/main" id="{2EF3893B-FB23-46A9-991B-0AC9869BF333}"/>
+                </a:ext>
+              </a:extLst>
+            </p:cNvPr>
+            <p:cNvSpPr txBox="1"/>
+            <p:nvPr/>
+          </p:nvSpPr>
+          <p:spPr>
+            <a:xfrm>
+              <a:off x="6261561" y="1140708"/>
+              <a:ext cx="1866403" cy="230832"/>
+            </a:xfrm>
+            <a:prstGeom prst="rect">
+              <a:avLst/>
+            </a:prstGeom>
+            <a:noFill/>
+            <a:ln>
+              <a:noFill/>
+            </a:ln>
+          </p:spPr>
+          <p:txBody>
+            <a:bodyPr wrap="square" rtlCol="0">
+              <a:spAutoFit/>
+            </a:bodyPr>
+            <a:lstStyle/>
+            <a:p>
+              <a:pPr algn="ctr"/>
+              <a:r>
+                <a:rPr lang="en-US" altLang="zh-CN" sz="900" dirty="0">
+                  <a:solidFill>
+                    <a:schemeClr val="bg1">
+                      <a:lumMod val="85000"/>
+                    </a:schemeClr>
+                  </a:solidFill>
+                </a:rPr>
+                <a:t>0.5h</a:t>
+              </a:r>
+              <a:endParaRPr lang="zh-CN" altLang="en-US" sz="900" dirty="0">
+                <a:solidFill>
+                  <a:schemeClr val="bg1">
+                    <a:lumMod val="85000"/>
+                  </a:schemeClr>
+                </a:solidFill>
+              </a:endParaRPr>
+            </a:p>
+          </p:txBody>
+        </p:sp>
+      </p:grpSp>
+      <p:grpSp>
+        <p:nvGrpSpPr>
+          <p:cNvPr id="71" name="组合 70">
+            <a:extLst>
+              <a:ext uri="{FF2B5EF4-FFF2-40B4-BE49-F238E27FC236}">
+                <a16:creationId xmlns:a16="http://schemas.microsoft.com/office/drawing/2014/main" id="{9159712C-1605-47EB-97DE-3F7486207AC2}"/>
+              </a:ext>
+            </a:extLst>
+          </p:cNvPr>
+          <p:cNvGrpSpPr/>
+          <p:nvPr/>
+        </p:nvGrpSpPr>
+        <p:grpSpPr>
+          <a:xfrm>
+            <a:off x="433551" y="1763001"/>
+            <a:ext cx="7155983" cy="290572"/>
+            <a:chOff x="428854" y="1110838"/>
+            <a:chExt cx="7699110" cy="290572"/>
+          </a:xfrm>
+        </p:grpSpPr>
+        <p:sp>
+          <p:nvSpPr>
+            <p:cNvPr id="72" name="矩形 71">
+              <a:extLst>
+                <a:ext uri="{FF2B5EF4-FFF2-40B4-BE49-F238E27FC236}">
+                  <a16:creationId xmlns:a16="http://schemas.microsoft.com/office/drawing/2014/main" id="{BEF8E8EA-E533-419E-83D5-896F2749A343}"/>
+                </a:ext>
+              </a:extLst>
+            </p:cNvPr>
+            <p:cNvSpPr/>
+            <p:nvPr/>
+          </p:nvSpPr>
+          <p:spPr>
+            <a:xfrm>
+              <a:off x="428854" y="1110838"/>
+              <a:ext cx="7538194" cy="290572"/>
+            </a:xfrm>
+            <a:prstGeom prst="rect">
+              <a:avLst/>
+            </a:prstGeom>
+            <a:solidFill>
+              <a:schemeClr val="bg2">
+                <a:lumMod val="10000"/>
+                <a:alpha val="40000"/>
+              </a:schemeClr>
+            </a:solidFill>
+            <a:ln w="6350">
+              <a:noFill/>
+            </a:ln>
+          </p:spPr>
+          <p:style>
+            <a:lnRef idx="2">
+              <a:schemeClr val="dk1">
+                <a:shade val="50000"/>
+              </a:schemeClr>
+            </a:lnRef>
+            <a:fillRef idx="1">
+              <a:schemeClr val="dk1"/>
+            </a:fillRef>
+            <a:effectRef idx="0">
+              <a:schemeClr val="dk1"/>
+            </a:effectRef>
+            <a:fontRef idx="minor">
+              <a:schemeClr val="lt1"/>
+            </a:fontRef>
+          </p:style>
+          <p:txBody>
+            <a:bodyPr rtlCol="0" anchor="ctr"/>
+            <a:lstStyle/>
+            <a:p>
+              <a:pPr algn="ctr"/>
+              <a:endParaRPr lang="zh-CN" altLang="en-US"/>
+            </a:p>
+          </p:txBody>
+        </p:sp>
+        <p:sp>
+          <p:nvSpPr>
+            <p:cNvPr id="73" name="文本框 72">
+              <a:extLst>
+                <a:ext uri="{FF2B5EF4-FFF2-40B4-BE49-F238E27FC236}">
+                  <a16:creationId xmlns:a16="http://schemas.microsoft.com/office/drawing/2014/main" id="{796631AC-7EAC-480E-8560-CA7CB46AD845}"/>
+                </a:ext>
+              </a:extLst>
+            </p:cNvPr>
+            <p:cNvSpPr txBox="1"/>
+            <p:nvPr/>
+          </p:nvSpPr>
+          <p:spPr>
+            <a:xfrm>
+              <a:off x="471849" y="1148402"/>
+              <a:ext cx="1866403" cy="230832"/>
+            </a:xfrm>
+            <a:prstGeom prst="rect">
+              <a:avLst/>
+            </a:prstGeom>
+            <a:noFill/>
+            <a:ln>
+              <a:noFill/>
+            </a:ln>
+          </p:spPr>
+          <p:txBody>
+            <a:bodyPr wrap="square" rtlCol="0">
+              <a:spAutoFit/>
+            </a:bodyPr>
+            <a:lstStyle/>
+            <a:p>
+              <a:pPr algn="ctr"/>
+              <a:r>
+                <a:rPr lang="zh-CN" altLang="en-US" sz="900" dirty="0">
+                  <a:solidFill>
+                    <a:schemeClr val="bg1">
+                      <a:lumMod val="85000"/>
+                    </a:schemeClr>
+                  </a:solidFill>
+                </a:rPr>
+                <a:t>这是一个牛逼的存档</a:t>
+              </a:r>
+            </a:p>
+          </p:txBody>
+        </p:sp>
+        <p:grpSp>
+          <p:nvGrpSpPr>
+            <p:cNvPr id="74" name="组合 73">
+              <a:extLst>
+                <a:ext uri="{FF2B5EF4-FFF2-40B4-BE49-F238E27FC236}">
+                  <a16:creationId xmlns:a16="http://schemas.microsoft.com/office/drawing/2014/main" id="{82128C95-7121-447E-B630-DED8C0F52112}"/>
+                </a:ext>
+              </a:extLst>
+            </p:cNvPr>
+            <p:cNvGrpSpPr/>
+            <p:nvPr/>
+          </p:nvGrpSpPr>
+          <p:grpSpPr>
+            <a:xfrm>
+              <a:off x="2726702" y="1112758"/>
+              <a:ext cx="1153751" cy="271342"/>
+              <a:chOff x="2693976" y="1112098"/>
+              <a:chExt cx="1153751" cy="271342"/>
+            </a:xfrm>
+          </p:grpSpPr>
+          <p:sp>
+            <p:nvSpPr>
+              <p:cNvPr id="77" name="文本框 76">
+                <a:extLst>
+                  <a:ext uri="{FF2B5EF4-FFF2-40B4-BE49-F238E27FC236}">
+                    <a16:creationId xmlns:a16="http://schemas.microsoft.com/office/drawing/2014/main" id="{5F8C4BCC-529F-4DF8-9AF6-5F2DCC54E074}"/>
+                  </a:ext>
+                </a:extLst>
+              </p:cNvPr>
+              <p:cNvSpPr txBox="1"/>
+              <p:nvPr/>
+            </p:nvSpPr>
+            <p:spPr>
+              <a:xfrm>
+                <a:off x="2693976" y="1152608"/>
+                <a:ext cx="1153751" cy="230832"/>
+              </a:xfrm>
+              <a:prstGeom prst="rect">
+                <a:avLst/>
+              </a:prstGeom>
+              <a:noFill/>
+              <a:ln>
+                <a:noFill/>
+              </a:ln>
+            </p:spPr>
+            <p:txBody>
+              <a:bodyPr wrap="square" rtlCol="0">
+                <a:spAutoFit/>
+              </a:bodyPr>
+              <a:lstStyle/>
+              <a:p>
+                <a:pPr algn="ctr"/>
+                <a:r>
+                  <a:rPr lang="zh-CN" altLang="en-US" sz="900" dirty="0">
+                    <a:solidFill>
+                      <a:schemeClr val="bg1">
+                        <a:lumMod val="85000"/>
+                      </a:schemeClr>
+                    </a:solidFill>
+                  </a:rPr>
+                  <a:t>罗德岛</a:t>
+                </a:r>
+              </a:p>
+            </p:txBody>
+          </p:sp>
+          <p:pic>
+            <p:nvPicPr>
+              <p:cNvPr id="78" name="图片 77">
+                <a:extLst>
+                  <a:ext uri="{FF2B5EF4-FFF2-40B4-BE49-F238E27FC236}">
+                    <a16:creationId xmlns:a16="http://schemas.microsoft.com/office/drawing/2014/main" id="{1BAA8777-5BAC-4F8E-BE00-F82D734C351E}"/>
+                  </a:ext>
+                </a:extLst>
+              </p:cNvPr>
+              <p:cNvPicPr>
+                <a:picLocks noChangeAspect="1"/>
+              </p:cNvPicPr>
+              <p:nvPr/>
+            </p:nvPicPr>
+            <p:blipFill>
+              <a:blip r:embed="rId3">
+                <a:extLst>
+                  <a:ext uri="{28A0092B-C50C-407E-A947-70E740481C1C}">
+                    <a14:useLocalDpi xmlns:a14="http://schemas.microsoft.com/office/drawing/2010/main" val="0"/>
+                  </a:ext>
+                </a:extLst>
+              </a:blip>
+              <a:stretch>
+                <a:fillRect/>
+              </a:stretch>
+            </p:blipFill>
+            <p:spPr>
+              <a:xfrm>
+                <a:off x="2802601" y="1112098"/>
+                <a:ext cx="272841" cy="271342"/>
+              </a:xfrm>
+              <a:prstGeom prst="rect">
+                <a:avLst/>
+              </a:prstGeom>
+              <a:ln>
+                <a:noFill/>
+              </a:ln>
+            </p:spPr>
+          </p:pic>
+        </p:grpSp>
+        <p:sp>
+          <p:nvSpPr>
+            <p:cNvPr id="75" name="文本框 74">
+              <a:extLst>
+                <a:ext uri="{FF2B5EF4-FFF2-40B4-BE49-F238E27FC236}">
+                  <a16:creationId xmlns:a16="http://schemas.microsoft.com/office/drawing/2014/main" id="{4184E3B4-2ABC-46FD-A6AC-51B4D93EA811}"/>
+                </a:ext>
+              </a:extLst>
+            </p:cNvPr>
+            <p:cNvSpPr txBox="1"/>
+            <p:nvPr/>
+          </p:nvSpPr>
+          <p:spPr>
+            <a:xfrm>
+              <a:off x="4291891" y="1140708"/>
+              <a:ext cx="1866403" cy="230832"/>
+            </a:xfrm>
+            <a:prstGeom prst="rect">
+              <a:avLst/>
+            </a:prstGeom>
+            <a:noFill/>
+            <a:ln>
+              <a:noFill/>
+            </a:ln>
+          </p:spPr>
+          <p:txBody>
+            <a:bodyPr wrap="square" rtlCol="0">
+              <a:spAutoFit/>
+            </a:bodyPr>
+            <a:lstStyle/>
+            <a:p>
+              <a:pPr algn="ctr"/>
+              <a:r>
+                <a:rPr lang="en-US" altLang="zh-CN" sz="900" dirty="0">
+                  <a:solidFill>
+                    <a:schemeClr val="bg1">
+                      <a:lumMod val="85000"/>
+                    </a:schemeClr>
+                  </a:solidFill>
+                </a:rPr>
+                <a:t>2019/10/13   15:00</a:t>
+              </a:r>
+              <a:endParaRPr lang="zh-CN" altLang="en-US" sz="900" dirty="0">
+                <a:solidFill>
+                  <a:schemeClr val="bg1">
+                    <a:lumMod val="85000"/>
+                  </a:schemeClr>
+                </a:solidFill>
+              </a:endParaRPr>
+            </a:p>
+          </p:txBody>
+        </p:sp>
+        <p:sp>
+          <p:nvSpPr>
+            <p:cNvPr id="76" name="文本框 75">
+              <a:extLst>
+                <a:ext uri="{FF2B5EF4-FFF2-40B4-BE49-F238E27FC236}">
+                  <a16:creationId xmlns:a16="http://schemas.microsoft.com/office/drawing/2014/main" id="{601DA583-044C-439E-9FEA-25C8FC82AF43}"/>
+                </a:ext>
+              </a:extLst>
+            </p:cNvPr>
+            <p:cNvSpPr txBox="1"/>
+            <p:nvPr/>
+          </p:nvSpPr>
+          <p:spPr>
+            <a:xfrm>
+              <a:off x="6261561" y="1140708"/>
+              <a:ext cx="1866403" cy="230832"/>
+            </a:xfrm>
+            <a:prstGeom prst="rect">
+              <a:avLst/>
+            </a:prstGeom>
+            <a:noFill/>
+            <a:ln>
+              <a:noFill/>
+            </a:ln>
+          </p:spPr>
+          <p:txBody>
+            <a:bodyPr wrap="square" rtlCol="0">
+              <a:spAutoFit/>
+            </a:bodyPr>
+            <a:lstStyle/>
+            <a:p>
+              <a:pPr algn="ctr"/>
+              <a:r>
+                <a:rPr lang="en-US" altLang="zh-CN" sz="900" dirty="0">
+                  <a:solidFill>
+                    <a:schemeClr val="bg1">
+                      <a:lumMod val="85000"/>
+                    </a:schemeClr>
+                  </a:solidFill>
+                </a:rPr>
+                <a:t>0.5h</a:t>
+              </a:r>
+              <a:endParaRPr lang="zh-CN" altLang="en-US" sz="900" dirty="0">
+                <a:solidFill>
+                  <a:schemeClr val="bg1">
+                    <a:lumMod val="85000"/>
+                  </a:schemeClr>
+                </a:solidFill>
+              </a:endParaRPr>
+            </a:p>
+          </p:txBody>
+        </p:sp>
+      </p:grpSp>
+      <p:grpSp>
+        <p:nvGrpSpPr>
+          <p:cNvPr id="79" name="组合 78">
+            <a:extLst>
+              <a:ext uri="{FF2B5EF4-FFF2-40B4-BE49-F238E27FC236}">
+                <a16:creationId xmlns:a16="http://schemas.microsoft.com/office/drawing/2014/main" id="{688800E1-751D-4EE9-800C-890C7F360849}"/>
+              </a:ext>
+            </a:extLst>
+          </p:cNvPr>
+          <p:cNvGrpSpPr/>
+          <p:nvPr/>
+        </p:nvGrpSpPr>
+        <p:grpSpPr>
+          <a:xfrm>
+            <a:off x="433551" y="2079037"/>
+            <a:ext cx="7155983" cy="290572"/>
+            <a:chOff x="428854" y="1110838"/>
+            <a:chExt cx="7699110" cy="290572"/>
+          </a:xfrm>
+        </p:grpSpPr>
+        <p:sp>
+          <p:nvSpPr>
+            <p:cNvPr id="80" name="矩形 79">
+              <a:extLst>
+                <a:ext uri="{FF2B5EF4-FFF2-40B4-BE49-F238E27FC236}">
+                  <a16:creationId xmlns:a16="http://schemas.microsoft.com/office/drawing/2014/main" id="{ECA5929C-5C29-405B-BD4E-2E4B6A4B5545}"/>
+                </a:ext>
+              </a:extLst>
+            </p:cNvPr>
+            <p:cNvSpPr/>
+            <p:nvPr/>
+          </p:nvSpPr>
+          <p:spPr>
+            <a:xfrm>
+              <a:off x="428854" y="1110838"/>
+              <a:ext cx="7538194" cy="290572"/>
+            </a:xfrm>
+            <a:prstGeom prst="rect">
+              <a:avLst/>
+            </a:prstGeom>
+            <a:solidFill>
+              <a:schemeClr val="bg2">
+                <a:lumMod val="10000"/>
+                <a:alpha val="40000"/>
+              </a:schemeClr>
+            </a:solidFill>
+            <a:ln w="6350">
+              <a:noFill/>
+            </a:ln>
+          </p:spPr>
+          <p:style>
+            <a:lnRef idx="2">
+              <a:schemeClr val="dk1">
+                <a:shade val="50000"/>
+              </a:schemeClr>
+            </a:lnRef>
+            <a:fillRef idx="1">
+              <a:schemeClr val="dk1"/>
+            </a:fillRef>
+            <a:effectRef idx="0">
+              <a:schemeClr val="dk1"/>
+            </a:effectRef>
+            <a:fontRef idx="minor">
+              <a:schemeClr val="lt1"/>
+            </a:fontRef>
+          </p:style>
+          <p:txBody>
+            <a:bodyPr rtlCol="0" anchor="ctr"/>
+            <a:lstStyle/>
+            <a:p>
+              <a:pPr algn="ctr"/>
+              <a:endParaRPr lang="zh-CN" altLang="en-US"/>
+            </a:p>
+          </p:txBody>
+        </p:sp>
+        <p:sp>
+          <p:nvSpPr>
+            <p:cNvPr id="81" name="文本框 80">
+              <a:extLst>
+                <a:ext uri="{FF2B5EF4-FFF2-40B4-BE49-F238E27FC236}">
+                  <a16:creationId xmlns:a16="http://schemas.microsoft.com/office/drawing/2014/main" id="{31010460-6A05-4C93-A12D-96372ECC22E3}"/>
+                </a:ext>
+              </a:extLst>
+            </p:cNvPr>
+            <p:cNvSpPr txBox="1"/>
+            <p:nvPr/>
+          </p:nvSpPr>
+          <p:spPr>
+            <a:xfrm>
+              <a:off x="471849" y="1148402"/>
+              <a:ext cx="1866403" cy="230832"/>
+            </a:xfrm>
+            <a:prstGeom prst="rect">
+              <a:avLst/>
+            </a:prstGeom>
+            <a:noFill/>
+            <a:ln>
+              <a:noFill/>
+            </a:ln>
+          </p:spPr>
+          <p:txBody>
+            <a:bodyPr wrap="square" rtlCol="0">
+              <a:spAutoFit/>
+            </a:bodyPr>
+            <a:lstStyle/>
+            <a:p>
+              <a:pPr algn="ctr"/>
+              <a:r>
+                <a:rPr lang="zh-CN" altLang="en-US" sz="900" dirty="0">
+                  <a:solidFill>
+                    <a:schemeClr val="bg1">
+                      <a:lumMod val="85000"/>
+                    </a:schemeClr>
+                  </a:solidFill>
+                </a:rPr>
+                <a:t>这是一个牛逼的存档</a:t>
+              </a:r>
+            </a:p>
+          </p:txBody>
+        </p:sp>
+        <p:grpSp>
+          <p:nvGrpSpPr>
+            <p:cNvPr id="82" name="组合 81">
+              <a:extLst>
+                <a:ext uri="{FF2B5EF4-FFF2-40B4-BE49-F238E27FC236}">
+                  <a16:creationId xmlns:a16="http://schemas.microsoft.com/office/drawing/2014/main" id="{D7D0B56A-01AF-4233-AD49-C113E9CF1F0D}"/>
+                </a:ext>
+              </a:extLst>
+            </p:cNvPr>
+            <p:cNvGrpSpPr/>
+            <p:nvPr/>
+          </p:nvGrpSpPr>
+          <p:grpSpPr>
+            <a:xfrm>
+              <a:off x="2726702" y="1112758"/>
+              <a:ext cx="1153751" cy="271342"/>
+              <a:chOff x="2693976" y="1112098"/>
+              <a:chExt cx="1153751" cy="271342"/>
+            </a:xfrm>
+          </p:grpSpPr>
+          <p:sp>
+            <p:nvSpPr>
+              <p:cNvPr id="85" name="文本框 84">
+                <a:extLst>
+                  <a:ext uri="{FF2B5EF4-FFF2-40B4-BE49-F238E27FC236}">
+                    <a16:creationId xmlns:a16="http://schemas.microsoft.com/office/drawing/2014/main" id="{EFC4728D-689E-4914-8A39-8D3BF5A25991}"/>
+                  </a:ext>
+                </a:extLst>
+              </p:cNvPr>
+              <p:cNvSpPr txBox="1"/>
+              <p:nvPr/>
+            </p:nvSpPr>
+            <p:spPr>
+              <a:xfrm>
+                <a:off x="2693976" y="1152608"/>
+                <a:ext cx="1153751" cy="230832"/>
+              </a:xfrm>
+              <a:prstGeom prst="rect">
+                <a:avLst/>
+              </a:prstGeom>
+              <a:noFill/>
+              <a:ln>
+                <a:noFill/>
+              </a:ln>
+            </p:spPr>
+            <p:txBody>
+              <a:bodyPr wrap="square" rtlCol="0">
+                <a:spAutoFit/>
+              </a:bodyPr>
+              <a:lstStyle/>
+              <a:p>
+                <a:pPr algn="ctr"/>
+                <a:r>
+                  <a:rPr lang="zh-CN" altLang="en-US" sz="900" dirty="0">
+                    <a:solidFill>
+                      <a:schemeClr val="bg1">
+                        <a:lumMod val="85000"/>
+                      </a:schemeClr>
+                    </a:solidFill>
+                  </a:rPr>
+                  <a:t>罗德岛</a:t>
+                </a:r>
+              </a:p>
+            </p:txBody>
+          </p:sp>
+          <p:pic>
+            <p:nvPicPr>
+              <p:cNvPr id="86" name="图片 85">
+                <a:extLst>
+                  <a:ext uri="{FF2B5EF4-FFF2-40B4-BE49-F238E27FC236}">
+                    <a16:creationId xmlns:a16="http://schemas.microsoft.com/office/drawing/2014/main" id="{A9D610C2-C7C4-4365-8752-3821EC525A38}"/>
+                  </a:ext>
+                </a:extLst>
+              </p:cNvPr>
+              <p:cNvPicPr>
+                <a:picLocks noChangeAspect="1"/>
+              </p:cNvPicPr>
+              <p:nvPr/>
+            </p:nvPicPr>
+            <p:blipFill>
+              <a:blip r:embed="rId3">
+                <a:extLst>
+                  <a:ext uri="{28A0092B-C50C-407E-A947-70E740481C1C}">
+                    <a14:useLocalDpi xmlns:a14="http://schemas.microsoft.com/office/drawing/2010/main" val="0"/>
+                  </a:ext>
+                </a:extLst>
+              </a:blip>
+              <a:stretch>
+                <a:fillRect/>
+              </a:stretch>
+            </p:blipFill>
+            <p:spPr>
+              <a:xfrm>
+                <a:off x="2802601" y="1112098"/>
+                <a:ext cx="272841" cy="271342"/>
+              </a:xfrm>
+              <a:prstGeom prst="rect">
+                <a:avLst/>
+              </a:prstGeom>
+              <a:ln>
+                <a:noFill/>
+              </a:ln>
+            </p:spPr>
+          </p:pic>
+        </p:grpSp>
+        <p:sp>
+          <p:nvSpPr>
+            <p:cNvPr id="83" name="文本框 82">
+              <a:extLst>
+                <a:ext uri="{FF2B5EF4-FFF2-40B4-BE49-F238E27FC236}">
+                  <a16:creationId xmlns:a16="http://schemas.microsoft.com/office/drawing/2014/main" id="{77E0872F-B453-4DFC-A4A9-A3E3BD4A450B}"/>
+                </a:ext>
+              </a:extLst>
+            </p:cNvPr>
+            <p:cNvSpPr txBox="1"/>
+            <p:nvPr/>
+          </p:nvSpPr>
+          <p:spPr>
+            <a:xfrm>
+              <a:off x="4291891" y="1140708"/>
+              <a:ext cx="1866403" cy="230832"/>
+            </a:xfrm>
+            <a:prstGeom prst="rect">
+              <a:avLst/>
+            </a:prstGeom>
+            <a:noFill/>
+            <a:ln>
+              <a:noFill/>
+            </a:ln>
+          </p:spPr>
+          <p:txBody>
+            <a:bodyPr wrap="square" rtlCol="0">
+              <a:spAutoFit/>
+            </a:bodyPr>
+            <a:lstStyle/>
+            <a:p>
+              <a:pPr algn="ctr"/>
+              <a:r>
+                <a:rPr lang="en-US" altLang="zh-CN" sz="900" dirty="0">
+                  <a:solidFill>
+                    <a:schemeClr val="bg1">
+                      <a:lumMod val="85000"/>
+                    </a:schemeClr>
+                  </a:solidFill>
+                </a:rPr>
+                <a:t>2019/10/13   15:00</a:t>
+              </a:r>
+              <a:endParaRPr lang="zh-CN" altLang="en-US" sz="900" dirty="0">
+                <a:solidFill>
+                  <a:schemeClr val="bg1">
+                    <a:lumMod val="85000"/>
+                  </a:schemeClr>
+                </a:solidFill>
+              </a:endParaRPr>
+            </a:p>
+          </p:txBody>
+        </p:sp>
+        <p:sp>
+          <p:nvSpPr>
+            <p:cNvPr id="84" name="文本框 83">
+              <a:extLst>
+                <a:ext uri="{FF2B5EF4-FFF2-40B4-BE49-F238E27FC236}">
+                  <a16:creationId xmlns:a16="http://schemas.microsoft.com/office/drawing/2014/main" id="{DE79BB15-F2DD-4761-A3A2-2C63551F9516}"/>
+                </a:ext>
+              </a:extLst>
+            </p:cNvPr>
+            <p:cNvSpPr txBox="1"/>
+            <p:nvPr/>
+          </p:nvSpPr>
+          <p:spPr>
+            <a:xfrm>
+              <a:off x="6261561" y="1140708"/>
+              <a:ext cx="1866403" cy="230832"/>
+            </a:xfrm>
+            <a:prstGeom prst="rect">
+              <a:avLst/>
+            </a:prstGeom>
+            <a:noFill/>
+            <a:ln>
+              <a:noFill/>
+            </a:ln>
+          </p:spPr>
+          <p:txBody>
+            <a:bodyPr wrap="square" rtlCol="0">
+              <a:spAutoFit/>
+            </a:bodyPr>
+            <a:lstStyle/>
+            <a:p>
+              <a:pPr algn="ctr"/>
+              <a:r>
+                <a:rPr lang="en-US" altLang="zh-CN" sz="900" dirty="0">
+                  <a:solidFill>
+                    <a:schemeClr val="bg1">
+                      <a:lumMod val="85000"/>
+                    </a:schemeClr>
+                  </a:solidFill>
+                </a:rPr>
+                <a:t>0.5h</a:t>
+              </a:r>
+              <a:endParaRPr lang="zh-CN" altLang="en-US" sz="900" dirty="0">
+                <a:solidFill>
+                  <a:schemeClr val="bg1">
+                    <a:lumMod val="85000"/>
+                  </a:schemeClr>
+                </a:solidFill>
+              </a:endParaRPr>
+            </a:p>
+          </p:txBody>
+        </p:sp>
+      </p:grpSp>
+      <p:pic>
+        <p:nvPicPr>
+          <p:cNvPr id="88" name="图片 87">
+            <a:extLst>
+              <a:ext uri="{FF2B5EF4-FFF2-40B4-BE49-F238E27FC236}">
+                <a16:creationId xmlns:a16="http://schemas.microsoft.com/office/drawing/2014/main" id="{3E1F5223-DE7D-4FF1-AD32-5C4F2857B1E0}"/>
+              </a:ext>
+            </a:extLst>
+          </p:cNvPr>
+          <p:cNvPicPr>
+            <a:picLocks noChangeAspect="1"/>
+          </p:cNvPicPr>
+          <p:nvPr/>
+        </p:nvPicPr>
+        <p:blipFill>
+          <a:blip r:embed="rId4">
+            <a:extLst>
+              <a:ext uri="{BEBA8EAE-BF5A-486C-A8C5-ECC9F3942E4B}">
+                <a14:imgProps xmlns:a14="http://schemas.microsoft.com/office/drawing/2010/main">
+                  <a14:imgLayer r:embed="rId5">
+                    <a14:imgEffect>
+                      <a14:brightnessContrast bright="-20000" contrast="20000"/>
+                    </a14:imgEffect>
+                  </a14:imgLayer>
+                </a14:imgProps>
+              </a:ext>
+              <a:ext uri="{28A0092B-C50C-407E-A947-70E740481C1C}">
+                <a14:useLocalDpi xmlns:a14="http://schemas.microsoft.com/office/drawing/2010/main" val="0"/>
+              </a:ext>
+            </a:extLst>
+          </a:blip>
+          <a:stretch>
+            <a:fillRect/>
+          </a:stretch>
+        </p:blipFill>
+        <p:spPr>
+          <a:xfrm>
+            <a:off x="7593212" y="1190542"/>
+            <a:ext cx="4521302" cy="1962233"/>
+          </a:xfrm>
+          <a:prstGeom prst="rect">
+            <a:avLst/>
+          </a:prstGeom>
+        </p:spPr>
+      </p:pic>
+      <p:grpSp>
+        <p:nvGrpSpPr>
+          <p:cNvPr id="94" name="组合 93">
+            <a:extLst>
+              <a:ext uri="{FF2B5EF4-FFF2-40B4-BE49-F238E27FC236}">
+                <a16:creationId xmlns:a16="http://schemas.microsoft.com/office/drawing/2014/main" id="{C918D5EC-BF1B-4469-8D45-10245714783F}"/>
+              </a:ext>
+            </a:extLst>
+          </p:cNvPr>
+          <p:cNvGrpSpPr/>
+          <p:nvPr/>
+        </p:nvGrpSpPr>
+        <p:grpSpPr>
+          <a:xfrm>
+            <a:off x="10760955" y="6394373"/>
+            <a:ext cx="770507" cy="306372"/>
+            <a:chOff x="10884923" y="6130234"/>
+            <a:chExt cx="772257" cy="307068"/>
+          </a:xfrm>
+        </p:grpSpPr>
+        <p:grpSp>
+          <p:nvGrpSpPr>
+            <p:cNvPr id="91" name="组合 90">
+              <a:extLst>
+                <a:ext uri="{FF2B5EF4-FFF2-40B4-BE49-F238E27FC236}">
+                  <a16:creationId xmlns:a16="http://schemas.microsoft.com/office/drawing/2014/main" id="{03C9C642-3AF7-4E61-84A8-3F90EA706BD6}"/>
+                </a:ext>
+              </a:extLst>
+            </p:cNvPr>
+            <p:cNvGrpSpPr/>
+            <p:nvPr/>
+          </p:nvGrpSpPr>
+          <p:grpSpPr>
+            <a:xfrm>
+              <a:off x="10936270" y="6193970"/>
+              <a:ext cx="209231" cy="169943"/>
+              <a:chOff x="10768978" y="6117473"/>
+              <a:chExt cx="351822" cy="285761"/>
+            </a:xfrm>
+          </p:grpSpPr>
+          <p:sp>
+            <p:nvSpPr>
+              <p:cNvPr id="89" name="Freeform 138">
+                <a:extLst>
+                  <a:ext uri="{FF2B5EF4-FFF2-40B4-BE49-F238E27FC236}">
+                    <a16:creationId xmlns:a16="http://schemas.microsoft.com/office/drawing/2014/main" id="{2FB96BF9-F2E1-4464-964A-79BB46C15646}"/>
+                  </a:ext>
+                </a:extLst>
+              </p:cNvPr>
+              <p:cNvSpPr>
+                <a:spLocks/>
+              </p:cNvSpPr>
+              <p:nvPr/>
+            </p:nvSpPr>
+            <p:spPr bwMode="auto">
+              <a:xfrm>
+                <a:off x="10768978" y="6324278"/>
+                <a:ext cx="351822" cy="78956"/>
+              </a:xfrm>
+              <a:custGeom>
+                <a:avLst/>
+                <a:gdLst>
+                  <a:gd name="T0" fmla="*/ 267 w 303"/>
+                  <a:gd name="T1" fmla="*/ 0 h 68"/>
+                  <a:gd name="T2" fmla="*/ 267 w 303"/>
+                  <a:gd name="T3" fmla="*/ 35 h 68"/>
+                  <a:gd name="T4" fmla="*/ 36 w 303"/>
+                  <a:gd name="T5" fmla="*/ 35 h 68"/>
+                  <a:gd name="T6" fmla="*/ 36 w 303"/>
+                  <a:gd name="T7" fmla="*/ 0 h 68"/>
+                  <a:gd name="T8" fmla="*/ 0 w 303"/>
+                  <a:gd name="T9" fmla="*/ 0 h 68"/>
+                  <a:gd name="T10" fmla="*/ 0 w 303"/>
+                  <a:gd name="T11" fmla="*/ 68 h 68"/>
+                  <a:gd name="T12" fmla="*/ 303 w 303"/>
+                  <a:gd name="T13" fmla="*/ 68 h 68"/>
+                  <a:gd name="T14" fmla="*/ 303 w 303"/>
+                  <a:gd name="T15" fmla="*/ 0 h 68"/>
+                  <a:gd name="T16" fmla="*/ 267 w 303"/>
+                  <a:gd name="T17" fmla="*/ 0 h 68"/>
+                </a:gdLst>
+                <a:ahLst/>
+                <a:cxnLst>
+                  <a:cxn ang="0">
+                    <a:pos x="T0" y="T1"/>
+                  </a:cxn>
+                  <a:cxn ang="0">
+                    <a:pos x="T2" y="T3"/>
+                  </a:cxn>
+                  <a:cxn ang="0">
+                    <a:pos x="T4" y="T5"/>
+                  </a:cxn>
+                  <a:cxn ang="0">
+                    <a:pos x="T6" y="T7"/>
+                  </a:cxn>
+                  <a:cxn ang="0">
+                    <a:pos x="T8" y="T9"/>
+                  </a:cxn>
+                  <a:cxn ang="0">
+                    <a:pos x="T10" y="T11"/>
+                  </a:cxn>
+                  <a:cxn ang="0">
+                    <a:pos x="T12" y="T13"/>
+                  </a:cxn>
+                  <a:cxn ang="0">
+                    <a:pos x="T14" y="T15"/>
+                  </a:cxn>
+                  <a:cxn ang="0">
+                    <a:pos x="T16" y="T17"/>
+                  </a:cxn>
+                </a:cxnLst>
+                <a:rect l="0" t="0" r="r" b="b"/>
+                <a:pathLst>
+                  <a:path w="303" h="68">
+                    <a:moveTo>
+                      <a:pt x="267" y="0"/>
+                    </a:moveTo>
+                    <a:lnTo>
+                      <a:pt x="267" y="35"/>
+                    </a:lnTo>
+                    <a:lnTo>
+                      <a:pt x="36" y="35"/>
+                    </a:lnTo>
+                    <a:lnTo>
+                      <a:pt x="36" y="0"/>
+                    </a:lnTo>
+                    <a:lnTo>
+                      <a:pt x="0" y="0"/>
+                    </a:lnTo>
+                    <a:lnTo>
+                      <a:pt x="0" y="68"/>
+                    </a:lnTo>
+                    <a:lnTo>
+                      <a:pt x="303" y="68"/>
+                    </a:lnTo>
+                    <a:lnTo>
+                      <a:pt x="303" y="0"/>
+                    </a:lnTo>
+                    <a:lnTo>
+                      <a:pt x="267" y="0"/>
+                    </a:lnTo>
+                    <a:close/>
+                  </a:path>
+                </a:pathLst>
+              </a:custGeom>
+              <a:solidFill>
+                <a:srgbClr val="00B0F0">
+                  <a:alpha val="55000"/>
+                </a:srgbClr>
+              </a:solidFill>
+              <a:ln>
+                <a:noFill/>
+              </a:ln>
+            </p:spPr>
+            <p:txBody>
+              <a:bodyPr vert="horz" wrap="square" lIns="91440" tIns="45720" rIns="91440" bIns="45720" numCol="1" anchor="t" anchorCtr="0" compatLnSpc="1">
+                <a:prstTxWarp prst="textNoShape">
+                  <a:avLst/>
+                </a:prstTxWarp>
+              </a:bodyPr>
+              <a:lstStyle/>
+              <a:p>
+                <a:endParaRPr lang="zh-CN" altLang="en-US"/>
+              </a:p>
+            </p:txBody>
+          </p:sp>
+          <p:sp>
+            <p:nvSpPr>
+              <p:cNvPr id="90" name="Freeform 139">
+                <a:extLst>
+                  <a:ext uri="{FF2B5EF4-FFF2-40B4-BE49-F238E27FC236}">
+                    <a16:creationId xmlns:a16="http://schemas.microsoft.com/office/drawing/2014/main" id="{E6AD6A8E-5BE0-4808-ABFE-CCFF8634EE4A}"/>
+                  </a:ext>
+                </a:extLst>
+              </p:cNvPr>
+              <p:cNvSpPr>
+                <a:spLocks/>
+              </p:cNvSpPr>
+              <p:nvPr/>
+            </p:nvSpPr>
+            <p:spPr bwMode="auto">
+              <a:xfrm>
+                <a:off x="10852661" y="6117473"/>
+                <a:ext cx="188914" cy="198862"/>
+              </a:xfrm>
+              <a:custGeom>
+                <a:avLst/>
+                <a:gdLst>
+                  <a:gd name="T0" fmla="*/ 209 w 209"/>
+                  <a:gd name="T1" fmla="*/ 104 h 220"/>
+                  <a:gd name="T2" fmla="*/ 145 w 209"/>
+                  <a:gd name="T3" fmla="*/ 104 h 220"/>
+                  <a:gd name="T4" fmla="*/ 145 w 209"/>
+                  <a:gd name="T5" fmla="*/ 0 h 220"/>
+                  <a:gd name="T6" fmla="*/ 64 w 209"/>
+                  <a:gd name="T7" fmla="*/ 0 h 220"/>
+                  <a:gd name="T8" fmla="*/ 64 w 209"/>
+                  <a:gd name="T9" fmla="*/ 104 h 220"/>
+                  <a:gd name="T10" fmla="*/ 0 w 209"/>
+                  <a:gd name="T11" fmla="*/ 104 h 220"/>
+                  <a:gd name="T12" fmla="*/ 105 w 209"/>
+                  <a:gd name="T13" fmla="*/ 220 h 220"/>
+                  <a:gd name="T14" fmla="*/ 209 w 209"/>
+                  <a:gd name="T15" fmla="*/ 104 h 220"/>
+                </a:gdLst>
+                <a:ahLst/>
+                <a:cxnLst>
+                  <a:cxn ang="0">
+                    <a:pos x="T0" y="T1"/>
+                  </a:cxn>
+                  <a:cxn ang="0">
+                    <a:pos x="T2" y="T3"/>
+                  </a:cxn>
+                  <a:cxn ang="0">
+                    <a:pos x="T4" y="T5"/>
+                  </a:cxn>
+                  <a:cxn ang="0">
+                    <a:pos x="T6" y="T7"/>
+                  </a:cxn>
+                  <a:cxn ang="0">
+                    <a:pos x="T8" y="T9"/>
+                  </a:cxn>
+                  <a:cxn ang="0">
+                    <a:pos x="T10" y="T11"/>
+                  </a:cxn>
+                  <a:cxn ang="0">
+                    <a:pos x="T12" y="T13"/>
+                  </a:cxn>
+                  <a:cxn ang="0">
+                    <a:pos x="T14" y="T15"/>
+                  </a:cxn>
+                </a:cxnLst>
+                <a:rect l="0" t="0" r="r" b="b"/>
+                <a:pathLst>
+                  <a:path w="209" h="220">
+                    <a:moveTo>
+                      <a:pt x="209" y="104"/>
+                    </a:moveTo>
+                    <a:lnTo>
+                      <a:pt x="145" y="104"/>
+                    </a:lnTo>
+                    <a:lnTo>
+                      <a:pt x="145" y="0"/>
+                    </a:lnTo>
+                    <a:lnTo>
+                      <a:pt x="64" y="0"/>
+                    </a:lnTo>
+                    <a:lnTo>
+                      <a:pt x="64" y="104"/>
+                    </a:lnTo>
+                    <a:lnTo>
+                      <a:pt x="0" y="104"/>
+                    </a:lnTo>
+                    <a:lnTo>
+                      <a:pt x="105" y="220"/>
+                    </a:lnTo>
+                    <a:lnTo>
+                      <a:pt x="209" y="104"/>
+                    </a:lnTo>
+                    <a:close/>
+                  </a:path>
+                </a:pathLst>
+              </a:custGeom>
+              <a:solidFill>
+                <a:srgbClr val="00B0F0">
+                  <a:alpha val="55000"/>
+                </a:srgbClr>
+              </a:solidFill>
+              <a:ln>
+                <a:noFill/>
+              </a:ln>
+            </p:spPr>
+            <p:txBody>
+              <a:bodyPr vert="horz" wrap="square" lIns="91440" tIns="45720" rIns="91440" bIns="45720" numCol="1" anchor="t" anchorCtr="0" compatLnSpc="1">
+                <a:prstTxWarp prst="textNoShape">
+                  <a:avLst/>
+                </a:prstTxWarp>
+              </a:bodyPr>
+              <a:lstStyle/>
+              <a:p>
+                <a:endParaRPr lang="zh-CN" altLang="en-US" dirty="0"/>
+              </a:p>
+            </p:txBody>
+          </p:sp>
+        </p:grpSp>
+        <p:sp>
+          <p:nvSpPr>
+            <p:cNvPr id="92" name="文本框 91">
+              <a:extLst>
+                <a:ext uri="{FF2B5EF4-FFF2-40B4-BE49-F238E27FC236}">
+                  <a16:creationId xmlns:a16="http://schemas.microsoft.com/office/drawing/2014/main" id="{74529189-5D5A-463D-BF4F-892E333BD3A7}"/>
+                </a:ext>
+              </a:extLst>
+            </p:cNvPr>
+            <p:cNvSpPr txBox="1"/>
+            <p:nvPr/>
+          </p:nvSpPr>
+          <p:spPr>
+            <a:xfrm>
+              <a:off x="11163619" y="6144954"/>
+              <a:ext cx="493561" cy="277628"/>
+            </a:xfrm>
+            <a:prstGeom prst="rect">
+              <a:avLst/>
+            </a:prstGeom>
+            <a:noFill/>
+            <a:ln>
+              <a:noFill/>
+            </a:ln>
+          </p:spPr>
+          <p:txBody>
+            <a:bodyPr wrap="none" rtlCol="0">
+              <a:spAutoFit/>
+            </a:bodyPr>
+            <a:lstStyle/>
+            <a:p>
+              <a:r>
+                <a:rPr lang="zh-CN" altLang="en-US" sz="1200" dirty="0">
+                  <a:solidFill>
+                    <a:schemeClr val="accent5">
+                      <a:lumMod val="75000"/>
+                    </a:schemeClr>
+                  </a:solidFill>
+                  <a:latin typeface="微软雅黑" panose="020B0503020204020204" pitchFamily="34" charset="-122"/>
+                  <a:ea typeface="微软雅黑" panose="020B0503020204020204" pitchFamily="34" charset="-122"/>
+                </a:rPr>
+                <a:t>读取</a:t>
+              </a:r>
+            </a:p>
+          </p:txBody>
+        </p:sp>
+        <p:sp>
+          <p:nvSpPr>
+            <p:cNvPr id="93" name="椭圆 92">
+              <a:extLst>
+                <a:ext uri="{FF2B5EF4-FFF2-40B4-BE49-F238E27FC236}">
+                  <a16:creationId xmlns:a16="http://schemas.microsoft.com/office/drawing/2014/main" id="{1EC5982F-581C-408E-87F8-F78C9349D7E4}"/>
+                </a:ext>
+              </a:extLst>
+            </p:cNvPr>
+            <p:cNvSpPr/>
+            <p:nvPr/>
+          </p:nvSpPr>
+          <p:spPr>
+            <a:xfrm>
+              <a:off x="10884923" y="6130234"/>
+              <a:ext cx="307068" cy="307068"/>
+            </a:xfrm>
+            <a:prstGeom prst="ellipse">
+              <a:avLst/>
+            </a:prstGeom>
+            <a:noFill/>
+            <a:ln w="6350">
+              <a:solidFill>
+                <a:srgbClr val="00B0F0">
+                  <a:alpha val="35000"/>
+                </a:srgbClr>
+              </a:solidFill>
+            </a:ln>
+          </p:spPr>
+          <p:style>
+            <a:lnRef idx="2">
+              <a:schemeClr val="accent1">
+                <a:shade val="50000"/>
+              </a:schemeClr>
+            </a:lnRef>
+            <a:fillRef idx="1">
+              <a:schemeClr val="accent1"/>
+            </a:fillRef>
+            <a:effectRef idx="0">
+              <a:schemeClr val="accent1"/>
+            </a:effectRef>
+            <a:fontRef idx="minor">
+              <a:schemeClr val="lt1"/>
+            </a:fontRef>
+          </p:style>
+          <p:txBody>
+            <a:bodyPr rtlCol="0" anchor="ctr"/>
+            <a:lstStyle/>
+            <a:p>
+              <a:pPr algn="ctr"/>
+              <a:endParaRPr lang="zh-CN" altLang="en-US"/>
+            </a:p>
+          </p:txBody>
+        </p:sp>
+      </p:grpSp>
+      <p:grpSp>
+        <p:nvGrpSpPr>
+          <p:cNvPr id="103" name="组合 102">
+            <a:extLst>
+              <a:ext uri="{FF2B5EF4-FFF2-40B4-BE49-F238E27FC236}">
+                <a16:creationId xmlns:a16="http://schemas.microsoft.com/office/drawing/2014/main" id="{24DB505C-C8EC-4D05-B045-B3B955180CD0}"/>
+              </a:ext>
+            </a:extLst>
+          </p:cNvPr>
+          <p:cNvGrpSpPr/>
+          <p:nvPr/>
+        </p:nvGrpSpPr>
+        <p:grpSpPr>
+          <a:xfrm>
+            <a:off x="8340874" y="6394373"/>
+            <a:ext cx="770507" cy="306372"/>
+            <a:chOff x="10177186" y="6001765"/>
+            <a:chExt cx="770507" cy="306372"/>
+          </a:xfrm>
+        </p:grpSpPr>
+        <p:grpSp>
+          <p:nvGrpSpPr>
+            <p:cNvPr id="95" name="组合 94">
+              <a:extLst>
+                <a:ext uri="{FF2B5EF4-FFF2-40B4-BE49-F238E27FC236}">
+                  <a16:creationId xmlns:a16="http://schemas.microsoft.com/office/drawing/2014/main" id="{EAF065D7-E719-4466-B2CE-5EF5C05605D7}"/>
+                </a:ext>
+              </a:extLst>
+            </p:cNvPr>
+            <p:cNvGrpSpPr/>
+            <p:nvPr/>
+          </p:nvGrpSpPr>
+          <p:grpSpPr>
+            <a:xfrm>
+              <a:off x="10177186" y="6001765"/>
+              <a:ext cx="770507" cy="306372"/>
+              <a:chOff x="10884923" y="6130234"/>
+              <a:chExt cx="772257" cy="307068"/>
+            </a:xfrm>
+          </p:grpSpPr>
+          <p:sp>
+            <p:nvSpPr>
+              <p:cNvPr id="97" name="文本框 96">
+                <a:extLst>
+                  <a:ext uri="{FF2B5EF4-FFF2-40B4-BE49-F238E27FC236}">
+                    <a16:creationId xmlns:a16="http://schemas.microsoft.com/office/drawing/2014/main" id="{57F8EEE2-DE37-4D2D-8349-DD0AB8F8E2FD}"/>
+                  </a:ext>
+                </a:extLst>
+              </p:cNvPr>
+              <p:cNvSpPr txBox="1"/>
+              <p:nvPr/>
+            </p:nvSpPr>
+            <p:spPr>
+              <a:xfrm>
+                <a:off x="11163619" y="6144954"/>
+                <a:ext cx="493561" cy="277628"/>
+              </a:xfrm>
+              <a:prstGeom prst="rect">
+                <a:avLst/>
+              </a:prstGeom>
+              <a:noFill/>
+            </p:spPr>
+            <p:txBody>
+              <a:bodyPr wrap="none" rtlCol="0">
+                <a:spAutoFit/>
+              </a:bodyPr>
+              <a:lstStyle/>
+              <a:p>
+                <a:r>
+                  <a:rPr lang="zh-CN" altLang="en-US" sz="1200" dirty="0">
+                    <a:solidFill>
+                      <a:schemeClr val="accent2">
+                        <a:lumMod val="75000"/>
+                      </a:schemeClr>
+                    </a:solidFill>
+                    <a:latin typeface="微软雅黑" panose="020B0503020204020204" pitchFamily="34" charset="-122"/>
+                    <a:ea typeface="微软雅黑" panose="020B0503020204020204" pitchFamily="34" charset="-122"/>
+                  </a:rPr>
+                  <a:t>删除</a:t>
+                </a:r>
+              </a:p>
+            </p:txBody>
+          </p:sp>
+          <p:sp>
+            <p:nvSpPr>
+              <p:cNvPr id="98" name="椭圆 97">
+                <a:extLst>
+                  <a:ext uri="{FF2B5EF4-FFF2-40B4-BE49-F238E27FC236}">
+                    <a16:creationId xmlns:a16="http://schemas.microsoft.com/office/drawing/2014/main" id="{4F0AD831-9C7E-4E71-A405-267BCA7EDA12}"/>
+                  </a:ext>
+                </a:extLst>
+              </p:cNvPr>
+              <p:cNvSpPr/>
+              <p:nvPr/>
+            </p:nvSpPr>
+            <p:spPr>
+              <a:xfrm>
+                <a:off x="10884923" y="6130234"/>
+                <a:ext cx="307068" cy="307068"/>
+              </a:xfrm>
+              <a:prstGeom prst="ellipse">
+                <a:avLst/>
+              </a:prstGeom>
+              <a:noFill/>
+              <a:ln w="6350">
+                <a:solidFill>
+                  <a:schemeClr val="accent2">
+                    <a:lumMod val="75000"/>
+                    <a:alpha val="40000"/>
+                  </a:schemeClr>
+                </a:solidFill>
+              </a:ln>
+            </p:spPr>
+            <p:style>
+              <a:lnRef idx="2">
+                <a:schemeClr val="accent1">
+                  <a:shade val="50000"/>
+                </a:schemeClr>
+              </a:lnRef>
+              <a:fillRef idx="1">
+                <a:schemeClr val="accent1"/>
+              </a:fillRef>
+              <a:effectRef idx="0">
+                <a:schemeClr val="accent1"/>
+              </a:effectRef>
+              <a:fontRef idx="minor">
+                <a:schemeClr val="lt1"/>
+              </a:fontRef>
+            </p:style>
+            <p:txBody>
+              <a:bodyPr rtlCol="0" anchor="ctr"/>
+              <a:lstStyle/>
+              <a:p>
+                <a:pPr algn="ctr"/>
+                <a:endParaRPr lang="zh-CN" altLang="en-US"/>
+              </a:p>
+            </p:txBody>
+          </p:sp>
+        </p:grpSp>
+        <p:sp>
+          <p:nvSpPr>
+            <p:cNvPr id="101" name="Freeform 26">
+              <a:extLst>
+                <a:ext uri="{FF2B5EF4-FFF2-40B4-BE49-F238E27FC236}">
+                  <a16:creationId xmlns:a16="http://schemas.microsoft.com/office/drawing/2014/main" id="{3DF22E9E-936E-48A4-94AC-25A5B38070D4}"/>
+                </a:ext>
+              </a:extLst>
+            </p:cNvPr>
+            <p:cNvSpPr>
+              <a:spLocks noEditPoints="1"/>
+            </p:cNvSpPr>
+            <p:nvPr/>
+          </p:nvSpPr>
+          <p:spPr bwMode="auto">
+            <a:xfrm>
+              <a:off x="10257238" y="6119908"/>
+              <a:ext cx="151005" cy="133240"/>
+            </a:xfrm>
+            <a:custGeom>
+              <a:avLst/>
+              <a:gdLst>
+                <a:gd name="T0" fmla="*/ 0 w 255"/>
+                <a:gd name="T1" fmla="*/ 0 h 225"/>
+                <a:gd name="T2" fmla="*/ 24 w 255"/>
+                <a:gd name="T3" fmla="*/ 225 h 225"/>
+                <a:gd name="T4" fmla="*/ 232 w 255"/>
+                <a:gd name="T5" fmla="*/ 225 h 225"/>
+                <a:gd name="T6" fmla="*/ 255 w 255"/>
+                <a:gd name="T7" fmla="*/ 0 h 225"/>
+                <a:gd name="T8" fmla="*/ 0 w 255"/>
+                <a:gd name="T9" fmla="*/ 0 h 225"/>
+                <a:gd name="T10" fmla="*/ 139 w 255"/>
+                <a:gd name="T11" fmla="*/ 33 h 225"/>
+                <a:gd name="T12" fmla="*/ 139 w 255"/>
+                <a:gd name="T13" fmla="*/ 190 h 225"/>
+                <a:gd name="T14" fmla="*/ 116 w 255"/>
+                <a:gd name="T15" fmla="*/ 190 h 225"/>
+                <a:gd name="T16" fmla="*/ 116 w 255"/>
+                <a:gd name="T17" fmla="*/ 33 h 225"/>
+                <a:gd name="T18" fmla="*/ 139 w 255"/>
+                <a:gd name="T19" fmla="*/ 33 h 225"/>
+                <a:gd name="T20" fmla="*/ 59 w 255"/>
+                <a:gd name="T21" fmla="*/ 33 h 225"/>
+                <a:gd name="T22" fmla="*/ 80 w 255"/>
+                <a:gd name="T23" fmla="*/ 33 h 225"/>
+                <a:gd name="T24" fmla="*/ 80 w 255"/>
+                <a:gd name="T25" fmla="*/ 190 h 225"/>
+                <a:gd name="T26" fmla="*/ 59 w 255"/>
+                <a:gd name="T27" fmla="*/ 190 h 225"/>
+                <a:gd name="T28" fmla="*/ 59 w 255"/>
+                <a:gd name="T29" fmla="*/ 33 h 225"/>
+                <a:gd name="T30" fmla="*/ 173 w 255"/>
+                <a:gd name="T31" fmla="*/ 190 h 225"/>
+                <a:gd name="T32" fmla="*/ 173 w 255"/>
+                <a:gd name="T33" fmla="*/ 33 h 225"/>
+                <a:gd name="T34" fmla="*/ 196 w 255"/>
+                <a:gd name="T35" fmla="*/ 33 h 225"/>
+                <a:gd name="T36" fmla="*/ 196 w 255"/>
+                <a:gd name="T37" fmla="*/ 190 h 225"/>
+                <a:gd name="T38" fmla="*/ 173 w 255"/>
+                <a:gd name="T39" fmla="*/ 190 h 225"/>
+              </a:gdLst>
+              <a:ahLst/>
+              <a:cxnLst>
+                <a:cxn ang="0">
+                  <a:pos x="T0" y="T1"/>
+                </a:cxn>
+                <a:cxn ang="0">
+                  <a:pos x="T2" y="T3"/>
+                </a:cxn>
+                <a:cxn ang="0">
+                  <a:pos x="T4" y="T5"/>
+                </a:cxn>
+                <a:cxn ang="0">
+                  <a:pos x="T6" y="T7"/>
+                </a:cxn>
+                <a:cxn ang="0">
+                  <a:pos x="T8" y="T9"/>
+                </a:cxn>
+                <a:cxn ang="0">
+                  <a:pos x="T10" y="T11"/>
+                </a:cxn>
+                <a:cxn ang="0">
+                  <a:pos x="T12" y="T13"/>
+                </a:cxn>
+                <a:cxn ang="0">
+                  <a:pos x="T14" y="T15"/>
+                </a:cxn>
+                <a:cxn ang="0">
+                  <a:pos x="T16" y="T17"/>
+                </a:cxn>
+                <a:cxn ang="0">
+                  <a:pos x="T18" y="T19"/>
+                </a:cxn>
+                <a:cxn ang="0">
+                  <a:pos x="T20" y="T21"/>
+                </a:cxn>
+                <a:cxn ang="0">
+                  <a:pos x="T22" y="T23"/>
+                </a:cxn>
+                <a:cxn ang="0">
+                  <a:pos x="T24" y="T25"/>
+                </a:cxn>
+                <a:cxn ang="0">
+                  <a:pos x="T26" y="T27"/>
+                </a:cxn>
+                <a:cxn ang="0">
+                  <a:pos x="T28" y="T29"/>
+                </a:cxn>
+                <a:cxn ang="0">
+                  <a:pos x="T30" y="T31"/>
+                </a:cxn>
+                <a:cxn ang="0">
+                  <a:pos x="T32" y="T33"/>
+                </a:cxn>
+                <a:cxn ang="0">
+                  <a:pos x="T34" y="T35"/>
+                </a:cxn>
+                <a:cxn ang="0">
+                  <a:pos x="T36" y="T37"/>
+                </a:cxn>
+                <a:cxn ang="0">
+                  <a:pos x="T38" y="T39"/>
+                </a:cxn>
+              </a:cxnLst>
+              <a:rect l="0" t="0" r="r" b="b"/>
+              <a:pathLst>
+                <a:path w="255" h="225">
+                  <a:moveTo>
+                    <a:pt x="0" y="0"/>
+                  </a:moveTo>
+                  <a:lnTo>
+                    <a:pt x="24" y="225"/>
+                  </a:lnTo>
+                  <a:lnTo>
+                    <a:pt x="232" y="225"/>
+                  </a:lnTo>
+                  <a:lnTo>
+                    <a:pt x="255" y="0"/>
+                  </a:lnTo>
+                  <a:lnTo>
+                    <a:pt x="0" y="0"/>
+                  </a:lnTo>
+                  <a:close/>
+                  <a:moveTo>
+                    <a:pt x="139" y="33"/>
+                  </a:moveTo>
+                  <a:lnTo>
+                    <a:pt x="139" y="190"/>
+                  </a:lnTo>
+                  <a:lnTo>
+                    <a:pt x="116" y="190"/>
+                  </a:lnTo>
+                  <a:lnTo>
+                    <a:pt x="116" y="33"/>
+                  </a:lnTo>
+                  <a:lnTo>
+                    <a:pt x="139" y="33"/>
+                  </a:lnTo>
+                  <a:close/>
+                  <a:moveTo>
+                    <a:pt x="59" y="33"/>
+                  </a:moveTo>
+                  <a:lnTo>
+                    <a:pt x="80" y="33"/>
+                  </a:lnTo>
+                  <a:lnTo>
+                    <a:pt x="80" y="190"/>
+                  </a:lnTo>
+                  <a:lnTo>
+                    <a:pt x="59" y="190"/>
+                  </a:lnTo>
+                  <a:lnTo>
+                    <a:pt x="59" y="33"/>
+                  </a:lnTo>
+                  <a:close/>
+                  <a:moveTo>
+                    <a:pt x="173" y="190"/>
+                  </a:moveTo>
+                  <a:lnTo>
+                    <a:pt x="173" y="33"/>
+                  </a:lnTo>
+                  <a:lnTo>
+                    <a:pt x="196" y="33"/>
+                  </a:lnTo>
+                  <a:lnTo>
+                    <a:pt x="196" y="190"/>
+                  </a:lnTo>
+                  <a:lnTo>
+                    <a:pt x="173" y="190"/>
+                  </a:lnTo>
+                  <a:close/>
+                </a:path>
+              </a:pathLst>
+            </a:custGeom>
+            <a:solidFill>
+              <a:schemeClr val="accent2">
+                <a:lumMod val="75000"/>
+                <a:alpha val="53000"/>
+              </a:schemeClr>
+            </a:solidFill>
+            <a:ln>
+              <a:noFill/>
+            </a:ln>
+          </p:spPr>
+          <p:txBody>
+            <a:bodyPr vert="horz" wrap="square" lIns="91440" tIns="45720" rIns="91440" bIns="45720" numCol="1" anchor="t" anchorCtr="0" compatLnSpc="1">
+              <a:prstTxWarp prst="textNoShape">
+                <a:avLst/>
+              </a:prstTxWarp>
+            </a:bodyPr>
+            <a:lstStyle/>
+            <a:p>
+              <a:endParaRPr lang="zh-CN" altLang="en-US"/>
+            </a:p>
+          </p:txBody>
+        </p:sp>
+        <p:sp>
+          <p:nvSpPr>
+            <p:cNvPr id="102" name="Freeform 27">
+              <a:extLst>
+                <a:ext uri="{FF2B5EF4-FFF2-40B4-BE49-F238E27FC236}">
+                  <a16:creationId xmlns:a16="http://schemas.microsoft.com/office/drawing/2014/main" id="{B3A45E07-4C9F-4221-BA68-7EDD7AF165FD}"/>
+                </a:ext>
+              </a:extLst>
+            </p:cNvPr>
+            <p:cNvSpPr>
+              <a:spLocks/>
+            </p:cNvSpPr>
+            <p:nvPr/>
+          </p:nvSpPr>
+          <p:spPr bwMode="auto">
+            <a:xfrm>
+              <a:off x="10243562" y="6060625"/>
+              <a:ext cx="177077" cy="45719"/>
+            </a:xfrm>
+            <a:custGeom>
+              <a:avLst/>
+              <a:gdLst>
+                <a:gd name="T0" fmla="*/ 182 w 303"/>
+                <a:gd name="T1" fmla="*/ 19 h 55"/>
+                <a:gd name="T2" fmla="*/ 182 w 303"/>
+                <a:gd name="T3" fmla="*/ 0 h 55"/>
+                <a:gd name="T4" fmla="*/ 114 w 303"/>
+                <a:gd name="T5" fmla="*/ 0 h 55"/>
+                <a:gd name="T6" fmla="*/ 114 w 303"/>
+                <a:gd name="T7" fmla="*/ 19 h 55"/>
+                <a:gd name="T8" fmla="*/ 0 w 303"/>
+                <a:gd name="T9" fmla="*/ 19 h 55"/>
+                <a:gd name="T10" fmla="*/ 0 w 303"/>
+                <a:gd name="T11" fmla="*/ 55 h 55"/>
+                <a:gd name="T12" fmla="*/ 303 w 303"/>
+                <a:gd name="T13" fmla="*/ 55 h 55"/>
+                <a:gd name="T14" fmla="*/ 303 w 303"/>
+                <a:gd name="T15" fmla="*/ 19 h 55"/>
+                <a:gd name="T16" fmla="*/ 182 w 303"/>
+                <a:gd name="T17" fmla="*/ 19 h 55"/>
+              </a:gdLst>
+              <a:ahLst/>
+              <a:cxnLst>
+                <a:cxn ang="0">
+                  <a:pos x="T0" y="T1"/>
+                </a:cxn>
+                <a:cxn ang="0">
+                  <a:pos x="T2" y="T3"/>
+                </a:cxn>
+                <a:cxn ang="0">
+                  <a:pos x="T4" y="T5"/>
+                </a:cxn>
+                <a:cxn ang="0">
+                  <a:pos x="T6" y="T7"/>
+                </a:cxn>
+                <a:cxn ang="0">
+                  <a:pos x="T8" y="T9"/>
+                </a:cxn>
+                <a:cxn ang="0">
+                  <a:pos x="T10" y="T11"/>
+                </a:cxn>
+                <a:cxn ang="0">
+                  <a:pos x="T12" y="T13"/>
+                </a:cxn>
+                <a:cxn ang="0">
+                  <a:pos x="T14" y="T15"/>
+                </a:cxn>
+                <a:cxn ang="0">
+                  <a:pos x="T16" y="T17"/>
+                </a:cxn>
+              </a:cxnLst>
+              <a:rect l="0" t="0" r="r" b="b"/>
+              <a:pathLst>
+                <a:path w="303" h="55">
+                  <a:moveTo>
+                    <a:pt x="182" y="19"/>
+                  </a:moveTo>
+                  <a:lnTo>
+                    <a:pt x="182" y="0"/>
+                  </a:lnTo>
+                  <a:lnTo>
+                    <a:pt x="114" y="0"/>
+                  </a:lnTo>
+                  <a:lnTo>
+                    <a:pt x="114" y="19"/>
+                  </a:lnTo>
+                  <a:lnTo>
+                    <a:pt x="0" y="19"/>
+                  </a:lnTo>
+                  <a:lnTo>
+                    <a:pt x="0" y="55"/>
+                  </a:lnTo>
+                  <a:lnTo>
+                    <a:pt x="303" y="55"/>
+                  </a:lnTo>
+                  <a:lnTo>
+                    <a:pt x="303" y="19"/>
+                  </a:lnTo>
+                  <a:lnTo>
+                    <a:pt x="182" y="19"/>
+                  </a:lnTo>
+                  <a:close/>
+                </a:path>
+              </a:pathLst>
+            </a:custGeom>
+            <a:solidFill>
+              <a:schemeClr val="accent2">
+                <a:lumMod val="75000"/>
+                <a:alpha val="53000"/>
+              </a:schemeClr>
+            </a:solidFill>
+            <a:ln>
+              <a:noFill/>
+            </a:ln>
+          </p:spPr>
+          <p:txBody>
+            <a:bodyPr vert="horz" wrap="square" lIns="91440" tIns="45720" rIns="91440" bIns="45720" numCol="1" anchor="t" anchorCtr="0" compatLnSpc="1">
+              <a:prstTxWarp prst="textNoShape">
+                <a:avLst/>
+              </a:prstTxWarp>
+            </a:bodyPr>
+            <a:lstStyle/>
+            <a:p>
+              <a:endParaRPr lang="zh-CN" altLang="en-US"/>
+            </a:p>
+          </p:txBody>
+        </p:sp>
+      </p:grpSp>
+    </p:spTree>
+    <p:extLst>
+      <p:ext uri="{BB962C8B-B14F-4D97-AF65-F5344CB8AC3E}">
+        <p14:creationId xmlns:p14="http://schemas.microsoft.com/office/powerpoint/2010/main" val="930078183"/>
+      </p:ext>
+    </p:extLst>
+  </p:cSld>
+  <p:clrMapOvr>
+    <a:masterClrMapping/>
+  </p:clrMapOvr>
+</p:sld>
+</file>
+
 <file path=ppt/theme/theme1.xml><?xml version="1.0" encoding="utf-8"?>
 <a:theme xmlns:a="http://schemas.openxmlformats.org/drawingml/2006/main" name="Office 主题​​">
   <a:themeElements>

--- a/GameMaster/GameDesign/UIDesign/主界面.pptx
+++ b/GameMaster/GameDesign/UIDesign/主界面.pptx
@@ -262,7 +262,7 @@
           <a:p>
             <a:fld id="{B426EB8E-22B7-479E-83E3-3D0F30698EA7}" type="datetimeFigureOut">
               <a:rPr lang="zh-CN" altLang="en-US" smtClean="0"/>
-              <a:t>2019/10/19/Saturday</a:t>
+              <a:t>2019/10/20/Sunday</a:t>
             </a:fld>
             <a:endParaRPr lang="zh-CN" altLang="en-US"/>
           </a:p>
@@ -460,7 +460,7 @@
           <a:p>
             <a:fld id="{B426EB8E-22B7-479E-83E3-3D0F30698EA7}" type="datetimeFigureOut">
               <a:rPr lang="zh-CN" altLang="en-US" smtClean="0"/>
-              <a:t>2019/10/19/Saturday</a:t>
+              <a:t>2019/10/20/Sunday</a:t>
             </a:fld>
             <a:endParaRPr lang="zh-CN" altLang="en-US"/>
           </a:p>
@@ -668,7 +668,7 @@
           <a:p>
             <a:fld id="{B426EB8E-22B7-479E-83E3-3D0F30698EA7}" type="datetimeFigureOut">
               <a:rPr lang="zh-CN" altLang="en-US" smtClean="0"/>
-              <a:t>2019/10/19/Saturday</a:t>
+              <a:t>2019/10/20/Sunday</a:t>
             </a:fld>
             <a:endParaRPr lang="zh-CN" altLang="en-US"/>
           </a:p>
@@ -866,7 +866,7 @@
           <a:p>
             <a:fld id="{B426EB8E-22B7-479E-83E3-3D0F30698EA7}" type="datetimeFigureOut">
               <a:rPr lang="zh-CN" altLang="en-US" smtClean="0"/>
-              <a:t>2019/10/19/Saturday</a:t>
+              <a:t>2019/10/20/Sunday</a:t>
             </a:fld>
             <a:endParaRPr lang="zh-CN" altLang="en-US"/>
           </a:p>
@@ -1141,7 +1141,7 @@
           <a:p>
             <a:fld id="{B426EB8E-22B7-479E-83E3-3D0F30698EA7}" type="datetimeFigureOut">
               <a:rPr lang="zh-CN" altLang="en-US" smtClean="0"/>
-              <a:t>2019/10/19/Saturday</a:t>
+              <a:t>2019/10/20/Sunday</a:t>
             </a:fld>
             <a:endParaRPr lang="zh-CN" altLang="en-US"/>
           </a:p>
@@ -1406,7 +1406,7 @@
           <a:p>
             <a:fld id="{B426EB8E-22B7-479E-83E3-3D0F30698EA7}" type="datetimeFigureOut">
               <a:rPr lang="zh-CN" altLang="en-US" smtClean="0"/>
-              <a:t>2019/10/19/Saturday</a:t>
+              <a:t>2019/10/20/Sunday</a:t>
             </a:fld>
             <a:endParaRPr lang="zh-CN" altLang="en-US"/>
           </a:p>
@@ -1818,7 +1818,7 @@
           <a:p>
             <a:fld id="{B426EB8E-22B7-479E-83E3-3D0F30698EA7}" type="datetimeFigureOut">
               <a:rPr lang="zh-CN" altLang="en-US" smtClean="0"/>
-              <a:t>2019/10/19/Saturday</a:t>
+              <a:t>2019/10/20/Sunday</a:t>
             </a:fld>
             <a:endParaRPr lang="zh-CN" altLang="en-US"/>
           </a:p>
@@ -1959,7 +1959,7 @@
           <a:p>
             <a:fld id="{B426EB8E-22B7-479E-83E3-3D0F30698EA7}" type="datetimeFigureOut">
               <a:rPr lang="zh-CN" altLang="en-US" smtClean="0"/>
-              <a:t>2019/10/19/Saturday</a:t>
+              <a:t>2019/10/20/Sunday</a:t>
             </a:fld>
             <a:endParaRPr lang="zh-CN" altLang="en-US"/>
           </a:p>
@@ -2072,7 +2072,7 @@
           <a:p>
             <a:fld id="{B426EB8E-22B7-479E-83E3-3D0F30698EA7}" type="datetimeFigureOut">
               <a:rPr lang="zh-CN" altLang="en-US" smtClean="0"/>
-              <a:t>2019/10/19/Saturday</a:t>
+              <a:t>2019/10/20/Sunday</a:t>
             </a:fld>
             <a:endParaRPr lang="zh-CN" altLang="en-US"/>
           </a:p>
@@ -2383,7 +2383,7 @@
           <a:p>
             <a:fld id="{B426EB8E-22B7-479E-83E3-3D0F30698EA7}" type="datetimeFigureOut">
               <a:rPr lang="zh-CN" altLang="en-US" smtClean="0"/>
-              <a:t>2019/10/19/Saturday</a:t>
+              <a:t>2019/10/20/Sunday</a:t>
             </a:fld>
             <a:endParaRPr lang="zh-CN" altLang="en-US"/>
           </a:p>
@@ -2671,7 +2671,7 @@
           <a:p>
             <a:fld id="{B426EB8E-22B7-479E-83E3-3D0F30698EA7}" type="datetimeFigureOut">
               <a:rPr lang="zh-CN" altLang="en-US" smtClean="0"/>
-              <a:t>2019/10/19/Saturday</a:t>
+              <a:t>2019/10/20/Sunday</a:t>
             </a:fld>
             <a:endParaRPr lang="zh-CN" altLang="en-US"/>
           </a:p>
@@ -2912,7 +2912,7 @@
           <a:p>
             <a:fld id="{B426EB8E-22B7-479E-83E3-3D0F30698EA7}" type="datetimeFigureOut">
               <a:rPr lang="zh-CN" altLang="en-US" smtClean="0"/>
-              <a:t>2019/10/19/Saturday</a:t>
+              <a:t>2019/10/20/Sunday</a:t>
             </a:fld>
             <a:endParaRPr lang="zh-CN" altLang="en-US"/>
           </a:p>
